--- a/Project 0 Presentation - IE.pptx
+++ b/Project 0 Presentation - IE.pptx
@@ -7,11 +7,12 @@
   <p:sldIdLst>
     <p:sldId id="256" r:id="rId2"/>
     <p:sldId id="257" r:id="rId3"/>
-    <p:sldId id="258" r:id="rId4"/>
-    <p:sldId id="262" r:id="rId5"/>
-    <p:sldId id="263" r:id="rId6"/>
-    <p:sldId id="259" r:id="rId7"/>
-    <p:sldId id="261" r:id="rId8"/>
+    <p:sldId id="264" r:id="rId4"/>
+    <p:sldId id="258" r:id="rId5"/>
+    <p:sldId id="262" r:id="rId6"/>
+    <p:sldId id="263" r:id="rId7"/>
+    <p:sldId id="259" r:id="rId8"/>
+    <p:sldId id="261" r:id="rId9"/>
   </p:sldIdLst>
   <p:sldSz cx="12192000" cy="6858000"/>
   <p:notesSz cx="6858000" cy="9144000"/>
@@ -175,7 +176,7 @@
           <a:noFill/>
           <a:extLst>
             <a:ext uri="{909E8E84-426E-40dd-AFC4-6F175D3DCCD1}">
-              <a14:hiddenFill xmlns="" xmlns:a14="http://schemas.microsoft.com/office/drawing/2010/main">
+              <a14:hiddenFill xmlns:a14="http://schemas.microsoft.com/office/drawing/2010/main" xmlns="">
                 <a:solidFill>
                   <a:srgbClr val="FFFFFF"/>
                 </a:solidFill>
@@ -234,7 +235,7 @@
             </a:ln>
             <a:extLst>
               <a:ext uri="{91240B29-F687-4f45-9708-019B960494DF}">
-                <a14:hiddenLine xmlns="" xmlns:a14="http://schemas.microsoft.com/office/drawing/2010/main" w="9525">
+                <a14:hiddenLine xmlns:a14="http://schemas.microsoft.com/office/drawing/2010/main" xmlns="" w="9525">
                   <a:solidFill>
                     <a:srgbClr val="000000"/>
                   </a:solidFill>
@@ -324,7 +325,7 @@
             </a:ln>
             <a:extLst>
               <a:ext uri="{91240B29-F687-4f45-9708-019B960494DF}">
-                <a14:hiddenLine xmlns="" xmlns:a14="http://schemas.microsoft.com/office/drawing/2010/main" w="9525">
+                <a14:hiddenLine xmlns:a14="http://schemas.microsoft.com/office/drawing/2010/main" xmlns="" w="9525">
                   <a:solidFill>
                     <a:srgbClr val="000000"/>
                   </a:solidFill>
@@ -414,7 +415,7 @@
             </a:ln>
             <a:extLst>
               <a:ext uri="{91240B29-F687-4f45-9708-019B960494DF}">
-                <a14:hiddenLine xmlns="" xmlns:a14="http://schemas.microsoft.com/office/drawing/2010/main" w="9525">
+                <a14:hiddenLine xmlns:a14="http://schemas.microsoft.com/office/drawing/2010/main" xmlns="" w="9525">
                   <a:solidFill>
                     <a:srgbClr val="000000"/>
                   </a:solidFill>
@@ -448,7 +449,7 @@
             </a:ln>
             <a:extLst>
               <a:ext uri="{91240B29-F687-4f45-9708-019B960494DF}">
-                <a14:hiddenLine xmlns="" xmlns:a14="http://schemas.microsoft.com/office/drawing/2010/main" w="9525">
+                <a14:hiddenLine xmlns:a14="http://schemas.microsoft.com/office/drawing/2010/main" xmlns="" w="9525">
                   <a:solidFill>
                     <a:srgbClr val="000000"/>
                   </a:solidFill>
@@ -538,7 +539,7 @@
             </a:ln>
             <a:extLst>
               <a:ext uri="{91240B29-F687-4f45-9708-019B960494DF}">
-                <a14:hiddenLine xmlns="" xmlns:a14="http://schemas.microsoft.com/office/drawing/2010/main" w="9525">
+                <a14:hiddenLine xmlns:a14="http://schemas.microsoft.com/office/drawing/2010/main" xmlns="" w="9525">
                   <a:solidFill>
                     <a:srgbClr val="000000"/>
                   </a:solidFill>
@@ -600,7 +601,7 @@
             </a:ln>
             <a:extLst>
               <a:ext uri="{91240B29-F687-4f45-9708-019B960494DF}">
-                <a14:hiddenLine xmlns="" xmlns:a14="http://schemas.microsoft.com/office/drawing/2010/main" w="9525">
+                <a14:hiddenLine xmlns:a14="http://schemas.microsoft.com/office/drawing/2010/main" xmlns="" w="9525">
                   <a:solidFill>
                     <a:srgbClr val="000000"/>
                   </a:solidFill>
@@ -662,7 +663,7 @@
             </a:ln>
             <a:extLst>
               <a:ext uri="{91240B29-F687-4f45-9708-019B960494DF}">
-                <a14:hiddenLine xmlns="" xmlns:a14="http://schemas.microsoft.com/office/drawing/2010/main" w="9525">
+                <a14:hiddenLine xmlns:a14="http://schemas.microsoft.com/office/drawing/2010/main" xmlns="" w="9525">
                   <a:solidFill>
                     <a:srgbClr val="000000"/>
                   </a:solidFill>
@@ -752,7 +753,7 @@
             </a:ln>
             <a:extLst>
               <a:ext uri="{91240B29-F687-4f45-9708-019B960494DF}">
-                <a14:hiddenLine xmlns="" xmlns:a14="http://schemas.microsoft.com/office/drawing/2010/main" w="9525">
+                <a14:hiddenLine xmlns:a14="http://schemas.microsoft.com/office/drawing/2010/main" xmlns="" w="9525">
                   <a:solidFill>
                     <a:srgbClr val="000000"/>
                   </a:solidFill>
@@ -814,7 +815,7 @@
             </a:ln>
             <a:extLst>
               <a:ext uri="{91240B29-F687-4f45-9708-019B960494DF}">
-                <a14:hiddenLine xmlns="" xmlns:a14="http://schemas.microsoft.com/office/drawing/2010/main" w="9525">
+                <a14:hiddenLine xmlns:a14="http://schemas.microsoft.com/office/drawing/2010/main" xmlns="" w="9525">
                   <a:solidFill>
                     <a:srgbClr val="000000"/>
                   </a:solidFill>
@@ -876,7 +877,7 @@
             </a:ln>
             <a:extLst>
               <a:ext uri="{91240B29-F687-4f45-9708-019B960494DF}">
-                <a14:hiddenLine xmlns="" xmlns:a14="http://schemas.microsoft.com/office/drawing/2010/main" w="9525">
+                <a14:hiddenLine xmlns:a14="http://schemas.microsoft.com/office/drawing/2010/main" xmlns="" w="9525">
                   <a:solidFill>
                     <a:srgbClr val="000000"/>
                   </a:solidFill>
@@ -966,7 +967,7 @@
             </a:ln>
             <a:extLst>
               <a:ext uri="{91240B29-F687-4f45-9708-019B960494DF}">
-                <a14:hiddenLine xmlns="" xmlns:a14="http://schemas.microsoft.com/office/drawing/2010/main" w="9525">
+                <a14:hiddenLine xmlns:a14="http://schemas.microsoft.com/office/drawing/2010/main" xmlns="" w="9525">
                   <a:solidFill>
                     <a:srgbClr val="000000"/>
                   </a:solidFill>
@@ -1056,7 +1057,7 @@
             </a:ln>
             <a:extLst>
               <a:ext uri="{91240B29-F687-4f45-9708-019B960494DF}">
-                <a14:hiddenLine xmlns="" xmlns:a14="http://schemas.microsoft.com/office/drawing/2010/main" w="9525">
+                <a14:hiddenLine xmlns:a14="http://schemas.microsoft.com/office/drawing/2010/main" xmlns="" w="9525">
                   <a:solidFill>
                     <a:srgbClr val="000000"/>
                   </a:solidFill>
@@ -1118,7 +1119,7 @@
             </a:ln>
             <a:extLst>
               <a:ext uri="{91240B29-F687-4f45-9708-019B960494DF}">
-                <a14:hiddenLine xmlns="" xmlns:a14="http://schemas.microsoft.com/office/drawing/2010/main" w="9525">
+                <a14:hiddenLine xmlns:a14="http://schemas.microsoft.com/office/drawing/2010/main" xmlns="" w="9525">
                   <a:solidFill>
                     <a:srgbClr val="000000"/>
                   </a:solidFill>
@@ -1228,7 +1229,7 @@
             </a:ln>
             <a:extLst>
               <a:ext uri="{91240B29-F687-4f45-9708-019B960494DF}">
-                <a14:hiddenLine xmlns="" xmlns:a14="http://schemas.microsoft.com/office/drawing/2010/main" w="9525">
+                <a14:hiddenLine xmlns:a14="http://schemas.microsoft.com/office/drawing/2010/main" xmlns="" w="9525">
                   <a:solidFill>
                     <a:srgbClr val="000000"/>
                   </a:solidFill>
@@ -1290,7 +1291,7 @@
             </a:ln>
             <a:extLst>
               <a:ext uri="{91240B29-F687-4f45-9708-019B960494DF}">
-                <a14:hiddenLine xmlns="" xmlns:a14="http://schemas.microsoft.com/office/drawing/2010/main" w="9525">
+                <a14:hiddenLine xmlns:a14="http://schemas.microsoft.com/office/drawing/2010/main" xmlns="" w="9525">
                   <a:solidFill>
                     <a:srgbClr val="000000"/>
                   </a:solidFill>
@@ -1380,7 +1381,7 @@
             </a:ln>
             <a:extLst>
               <a:ext uri="{91240B29-F687-4f45-9708-019B960494DF}">
-                <a14:hiddenLine xmlns="" xmlns:a14="http://schemas.microsoft.com/office/drawing/2010/main" w="9525">
+                <a14:hiddenLine xmlns:a14="http://schemas.microsoft.com/office/drawing/2010/main" xmlns="" w="9525">
                   <a:solidFill>
                     <a:srgbClr val="000000"/>
                   </a:solidFill>
@@ -1470,7 +1471,7 @@
             </a:ln>
             <a:extLst>
               <a:ext uri="{91240B29-F687-4f45-9708-019B960494DF}">
-                <a14:hiddenLine xmlns="" xmlns:a14="http://schemas.microsoft.com/office/drawing/2010/main" w="9525">
+                <a14:hiddenLine xmlns:a14="http://schemas.microsoft.com/office/drawing/2010/main" xmlns="" w="9525">
                   <a:solidFill>
                     <a:srgbClr val="000000"/>
                   </a:solidFill>
@@ -1532,7 +1533,7 @@
             </a:ln>
             <a:extLst>
               <a:ext uri="{91240B29-F687-4f45-9708-019B960494DF}">
-                <a14:hiddenLine xmlns="" xmlns:a14="http://schemas.microsoft.com/office/drawing/2010/main" w="9525">
+                <a14:hiddenLine xmlns:a14="http://schemas.microsoft.com/office/drawing/2010/main" xmlns="" w="9525">
                   <a:solidFill>
                     <a:srgbClr val="000000"/>
                   </a:solidFill>
@@ -1622,7 +1623,7 @@
             </a:ln>
             <a:extLst>
               <a:ext uri="{91240B29-F687-4f45-9708-019B960494DF}">
-                <a14:hiddenLine xmlns="" xmlns:a14="http://schemas.microsoft.com/office/drawing/2010/main" w="9525">
+                <a14:hiddenLine xmlns:a14="http://schemas.microsoft.com/office/drawing/2010/main" xmlns="" w="9525">
                   <a:solidFill>
                     <a:srgbClr val="000000"/>
                   </a:solidFill>
@@ -1712,7 +1713,7 @@
             </a:ln>
             <a:extLst>
               <a:ext uri="{91240B29-F687-4f45-9708-019B960494DF}">
-                <a14:hiddenLine xmlns="" xmlns:a14="http://schemas.microsoft.com/office/drawing/2010/main" w="9525">
+                <a14:hiddenLine xmlns:a14="http://schemas.microsoft.com/office/drawing/2010/main" xmlns="" w="9525">
                   <a:solidFill>
                     <a:srgbClr val="000000"/>
                   </a:solidFill>
@@ -1768,7 +1769,7 @@
             </a:ln>
             <a:extLst>
               <a:ext uri="{91240B29-F687-4f45-9708-019B960494DF}">
-                <a14:hiddenLine xmlns="" xmlns:a14="http://schemas.microsoft.com/office/drawing/2010/main" w="9525">
+                <a14:hiddenLine xmlns:a14="http://schemas.microsoft.com/office/drawing/2010/main" xmlns="" w="9525">
                   <a:solidFill>
                     <a:srgbClr val="000000"/>
                   </a:solidFill>
@@ -1858,7 +1859,7 @@
             </a:ln>
             <a:extLst>
               <a:ext uri="{91240B29-F687-4f45-9708-019B960494DF}">
-                <a14:hiddenLine xmlns="" xmlns:a14="http://schemas.microsoft.com/office/drawing/2010/main" w="9525">
+                <a14:hiddenLine xmlns:a14="http://schemas.microsoft.com/office/drawing/2010/main" xmlns="" w="9525">
                   <a:solidFill>
                     <a:srgbClr val="000000"/>
                   </a:solidFill>
@@ -1914,7 +1915,7 @@
             </a:ln>
             <a:extLst>
               <a:ext uri="{91240B29-F687-4f45-9708-019B960494DF}">
-                <a14:hiddenLine xmlns="" xmlns:a14="http://schemas.microsoft.com/office/drawing/2010/main" w="9525">
+                <a14:hiddenLine xmlns:a14="http://schemas.microsoft.com/office/drawing/2010/main" xmlns="" w="9525">
                   <a:solidFill>
                     <a:srgbClr val="000000"/>
                   </a:solidFill>
@@ -2004,7 +2005,7 @@
             </a:ln>
             <a:extLst>
               <a:ext uri="{91240B29-F687-4f45-9708-019B960494DF}">
-                <a14:hiddenLine xmlns="" xmlns:a14="http://schemas.microsoft.com/office/drawing/2010/main" w="9525">
+                <a14:hiddenLine xmlns:a14="http://schemas.microsoft.com/office/drawing/2010/main" xmlns="" w="9525">
                   <a:solidFill>
                     <a:srgbClr val="000000"/>
                   </a:solidFill>
@@ -2072,7 +2073,7 @@
             </a:ln>
             <a:extLst>
               <a:ext uri="{91240B29-F687-4f45-9708-019B960494DF}">
-                <a14:hiddenLine xmlns="" xmlns:a14="http://schemas.microsoft.com/office/drawing/2010/main" w="9525">
+                <a14:hiddenLine xmlns:a14="http://schemas.microsoft.com/office/drawing/2010/main" xmlns="" w="9525">
                   <a:solidFill>
                     <a:srgbClr val="000000"/>
                   </a:solidFill>
@@ -2162,7 +2163,7 @@
             </a:ln>
             <a:extLst>
               <a:ext uri="{91240B29-F687-4f45-9708-019B960494DF}">
-                <a14:hiddenLine xmlns="" xmlns:a14="http://schemas.microsoft.com/office/drawing/2010/main" w="9525">
+                <a14:hiddenLine xmlns:a14="http://schemas.microsoft.com/office/drawing/2010/main" xmlns="" w="9525">
                   <a:solidFill>
                     <a:srgbClr val="000000"/>
                   </a:solidFill>
@@ -2230,7 +2231,7 @@
             </a:ln>
             <a:extLst>
               <a:ext uri="{91240B29-F687-4f45-9708-019B960494DF}">
-                <a14:hiddenLine xmlns="" xmlns:a14="http://schemas.microsoft.com/office/drawing/2010/main" w="9525">
+                <a14:hiddenLine xmlns:a14="http://schemas.microsoft.com/office/drawing/2010/main" xmlns="" w="9525">
                   <a:solidFill>
                     <a:srgbClr val="000000"/>
                   </a:solidFill>
@@ -2320,7 +2321,7 @@
             </a:ln>
             <a:extLst>
               <a:ext uri="{91240B29-F687-4f45-9708-019B960494DF}">
-                <a14:hiddenLine xmlns="" xmlns:a14="http://schemas.microsoft.com/office/drawing/2010/main" w="9525">
+                <a14:hiddenLine xmlns:a14="http://schemas.microsoft.com/office/drawing/2010/main" xmlns="" w="9525">
                   <a:solidFill>
                     <a:srgbClr val="000000"/>
                   </a:solidFill>
@@ -2354,7 +2355,7 @@
             </a:ln>
             <a:extLst>
               <a:ext uri="{91240B29-F687-4f45-9708-019B960494DF}">
-                <a14:hiddenLine xmlns="" xmlns:a14="http://schemas.microsoft.com/office/drawing/2010/main" w="9525">
+                <a14:hiddenLine xmlns:a14="http://schemas.microsoft.com/office/drawing/2010/main" xmlns="" w="9525">
                   <a:solidFill>
                     <a:srgbClr val="000000"/>
                   </a:solidFill>
@@ -2444,7 +2445,7 @@
             </a:ln>
             <a:extLst>
               <a:ext uri="{91240B29-F687-4f45-9708-019B960494DF}">
-                <a14:hiddenLine xmlns="" xmlns:a14="http://schemas.microsoft.com/office/drawing/2010/main" w="9525">
+                <a14:hiddenLine xmlns:a14="http://schemas.microsoft.com/office/drawing/2010/main" xmlns="" w="9525">
                   <a:solidFill>
                     <a:srgbClr val="000000"/>
                   </a:solidFill>
@@ -2506,7 +2507,7 @@
             </a:ln>
             <a:extLst>
               <a:ext uri="{91240B29-F687-4f45-9708-019B960494DF}">
-                <a14:hiddenLine xmlns="" xmlns:a14="http://schemas.microsoft.com/office/drawing/2010/main" w="9525">
+                <a14:hiddenLine xmlns:a14="http://schemas.microsoft.com/office/drawing/2010/main" xmlns="" w="9525">
                   <a:solidFill>
                     <a:srgbClr val="000000"/>
                   </a:solidFill>
@@ -2568,7 +2569,7 @@
             </a:ln>
             <a:extLst>
               <a:ext uri="{91240B29-F687-4f45-9708-019B960494DF}">
-                <a14:hiddenLine xmlns="" xmlns:a14="http://schemas.microsoft.com/office/drawing/2010/main" w="9525">
+                <a14:hiddenLine xmlns:a14="http://schemas.microsoft.com/office/drawing/2010/main" xmlns="" w="9525">
                   <a:solidFill>
                     <a:srgbClr val="000000"/>
                   </a:solidFill>
@@ -2658,7 +2659,7 @@
             </a:ln>
             <a:extLst>
               <a:ext uri="{91240B29-F687-4f45-9708-019B960494DF}">
-                <a14:hiddenLine xmlns="" xmlns:a14="http://schemas.microsoft.com/office/drawing/2010/main" w="9525">
+                <a14:hiddenLine xmlns:a14="http://schemas.microsoft.com/office/drawing/2010/main" xmlns="" w="9525">
                   <a:solidFill>
                     <a:srgbClr val="000000"/>
                   </a:solidFill>
@@ -2726,7 +2727,7 @@
             </a:ln>
             <a:extLst>
               <a:ext uri="{91240B29-F687-4f45-9708-019B960494DF}">
-                <a14:hiddenLine xmlns="" xmlns:a14="http://schemas.microsoft.com/office/drawing/2010/main" w="9525">
+                <a14:hiddenLine xmlns:a14="http://schemas.microsoft.com/office/drawing/2010/main" xmlns="" w="9525">
                   <a:solidFill>
                     <a:srgbClr val="000000"/>
                   </a:solidFill>
@@ -2788,7 +2789,7 @@
             </a:ln>
             <a:extLst>
               <a:ext uri="{91240B29-F687-4f45-9708-019B960494DF}">
-                <a14:hiddenLine xmlns="" xmlns:a14="http://schemas.microsoft.com/office/drawing/2010/main" w="9525">
+                <a14:hiddenLine xmlns:a14="http://schemas.microsoft.com/office/drawing/2010/main" xmlns="" w="9525">
                   <a:solidFill>
                     <a:srgbClr val="000000"/>
                   </a:solidFill>
@@ -2878,7 +2879,7 @@
             </a:ln>
             <a:extLst>
               <a:ext uri="{91240B29-F687-4f45-9708-019B960494DF}">
-                <a14:hiddenLine xmlns="" xmlns:a14="http://schemas.microsoft.com/office/drawing/2010/main" w="9525">
+                <a14:hiddenLine xmlns:a14="http://schemas.microsoft.com/office/drawing/2010/main" xmlns="" w="9525">
                   <a:solidFill>
                     <a:srgbClr val="000000"/>
                   </a:solidFill>
@@ -2940,7 +2941,7 @@
             </a:ln>
             <a:extLst>
               <a:ext uri="{91240B29-F687-4f45-9708-019B960494DF}">
-                <a14:hiddenLine xmlns="" xmlns:a14="http://schemas.microsoft.com/office/drawing/2010/main" w="9525">
+                <a14:hiddenLine xmlns:a14="http://schemas.microsoft.com/office/drawing/2010/main" xmlns="" w="9525">
                   <a:solidFill>
                     <a:srgbClr val="000000"/>
                   </a:solidFill>
@@ -3030,7 +3031,7 @@
             </a:ln>
             <a:extLst>
               <a:ext uri="{91240B29-F687-4f45-9708-019B960494DF}">
-                <a14:hiddenLine xmlns="" xmlns:a14="http://schemas.microsoft.com/office/drawing/2010/main" w="9525">
+                <a14:hiddenLine xmlns:a14="http://schemas.microsoft.com/office/drawing/2010/main" xmlns="" w="9525">
                   <a:solidFill>
                     <a:srgbClr val="000000"/>
                   </a:solidFill>
@@ -3092,7 +3093,7 @@
             </a:ln>
             <a:extLst>
               <a:ext uri="{91240B29-F687-4f45-9708-019B960494DF}">
-                <a14:hiddenLine xmlns="" xmlns:a14="http://schemas.microsoft.com/office/drawing/2010/main" w="9525">
+                <a14:hiddenLine xmlns:a14="http://schemas.microsoft.com/office/drawing/2010/main" xmlns="" w="9525">
                   <a:solidFill>
                     <a:srgbClr val="000000"/>
                   </a:solidFill>
@@ -3182,7 +3183,7 @@
             </a:ln>
             <a:extLst>
               <a:ext uri="{91240B29-F687-4f45-9708-019B960494DF}">
-                <a14:hiddenLine xmlns="" xmlns:a14="http://schemas.microsoft.com/office/drawing/2010/main" w="9525">
+                <a14:hiddenLine xmlns:a14="http://schemas.microsoft.com/office/drawing/2010/main" xmlns="" w="9525">
                   <a:solidFill>
                     <a:srgbClr val="000000"/>
                   </a:solidFill>
@@ -3216,7 +3217,7 @@
             </a:ln>
             <a:extLst>
               <a:ext uri="{91240B29-F687-4f45-9708-019B960494DF}">
-                <a14:hiddenLine xmlns="" xmlns:a14="http://schemas.microsoft.com/office/drawing/2010/main" w="9525">
+                <a14:hiddenLine xmlns:a14="http://schemas.microsoft.com/office/drawing/2010/main" xmlns="" w="9525">
                   <a:solidFill>
                     <a:srgbClr val="000000"/>
                   </a:solidFill>
@@ -3281,7 +3282,7 @@
             </a:ln>
             <a:extLst>
               <a:ext uri="{91240B29-F687-4f45-9708-019B960494DF}">
-                <a14:hiddenLine xmlns="" xmlns:a14="http://schemas.microsoft.com/office/drawing/2010/main" w="9525">
+                <a14:hiddenLine xmlns:a14="http://schemas.microsoft.com/office/drawing/2010/main" xmlns="" w="9525">
                   <a:solidFill>
                     <a:srgbClr val="000000"/>
                   </a:solidFill>
@@ -3371,7 +3372,7 @@
             </a:ln>
             <a:extLst>
               <a:ext uri="{91240B29-F687-4f45-9708-019B960494DF}">
-                <a14:hiddenLine xmlns="" xmlns:a14="http://schemas.microsoft.com/office/drawing/2010/main" w="9525">
+                <a14:hiddenLine xmlns:a14="http://schemas.microsoft.com/office/drawing/2010/main" xmlns="" w="9525">
                   <a:solidFill>
                     <a:srgbClr val="000000"/>
                   </a:solidFill>
@@ -3433,7 +3434,7 @@
             </a:ln>
             <a:extLst>
               <a:ext uri="{91240B29-F687-4f45-9708-019B960494DF}">
-                <a14:hiddenLine xmlns="" xmlns:a14="http://schemas.microsoft.com/office/drawing/2010/main" w="9525">
+                <a14:hiddenLine xmlns:a14="http://schemas.microsoft.com/office/drawing/2010/main" xmlns="" w="9525">
                   <a:solidFill>
                     <a:srgbClr val="000000"/>
                   </a:solidFill>
@@ -3523,7 +3524,7 @@
             </a:ln>
             <a:extLst>
               <a:ext uri="{91240B29-F687-4f45-9708-019B960494DF}">
-                <a14:hiddenLine xmlns="" xmlns:a14="http://schemas.microsoft.com/office/drawing/2010/main" w="9525">
+                <a14:hiddenLine xmlns:a14="http://schemas.microsoft.com/office/drawing/2010/main" xmlns="" w="9525">
                   <a:solidFill>
                     <a:srgbClr val="000000"/>
                   </a:solidFill>
@@ -3613,7 +3614,7 @@
             </a:ln>
             <a:extLst>
               <a:ext uri="{91240B29-F687-4f45-9708-019B960494DF}">
-                <a14:hiddenLine xmlns="" xmlns:a14="http://schemas.microsoft.com/office/drawing/2010/main" w="9525">
+                <a14:hiddenLine xmlns:a14="http://schemas.microsoft.com/office/drawing/2010/main" xmlns="" w="9525">
                   <a:solidFill>
                     <a:srgbClr val="000000"/>
                   </a:solidFill>
@@ -3678,7 +3679,7 @@
             </a:ln>
             <a:extLst>
               <a:ext uri="{91240B29-F687-4f45-9708-019B960494DF}">
-                <a14:hiddenLine xmlns="" xmlns:a14="http://schemas.microsoft.com/office/drawing/2010/main" w="9525">
+                <a14:hiddenLine xmlns:a14="http://schemas.microsoft.com/office/drawing/2010/main" xmlns="" w="9525">
                   <a:solidFill>
                     <a:srgbClr val="000000"/>
                   </a:solidFill>
@@ -3740,7 +3741,7 @@
             </a:ln>
             <a:extLst>
               <a:ext uri="{91240B29-F687-4f45-9708-019B960494DF}">
-                <a14:hiddenLine xmlns="" xmlns:a14="http://schemas.microsoft.com/office/drawing/2010/main" w="9525">
+                <a14:hiddenLine xmlns:a14="http://schemas.microsoft.com/office/drawing/2010/main" xmlns="" w="9525">
                   <a:solidFill>
                     <a:srgbClr val="000000"/>
                   </a:solidFill>
@@ -3830,7 +3831,7 @@
             </a:ln>
             <a:extLst>
               <a:ext uri="{91240B29-F687-4f45-9708-019B960494DF}">
-                <a14:hiddenLine xmlns="" xmlns:a14="http://schemas.microsoft.com/office/drawing/2010/main" w="9525">
+                <a14:hiddenLine xmlns:a14="http://schemas.microsoft.com/office/drawing/2010/main" xmlns="" w="9525">
                   <a:solidFill>
                     <a:srgbClr val="000000"/>
                   </a:solidFill>
@@ -3920,7 +3921,7 @@
             </a:ln>
             <a:extLst>
               <a:ext uri="{91240B29-F687-4f45-9708-019B960494DF}">
-                <a14:hiddenLine xmlns="" xmlns:a14="http://schemas.microsoft.com/office/drawing/2010/main" w="9525">
+                <a14:hiddenLine xmlns:a14="http://schemas.microsoft.com/office/drawing/2010/main" xmlns="" w="9525">
                   <a:solidFill>
                     <a:srgbClr val="000000"/>
                   </a:solidFill>
@@ -3982,7 +3983,7 @@
             </a:ln>
             <a:extLst>
               <a:ext uri="{91240B29-F687-4f45-9708-019B960494DF}">
-                <a14:hiddenLine xmlns="" xmlns:a14="http://schemas.microsoft.com/office/drawing/2010/main" w="9525">
+                <a14:hiddenLine xmlns:a14="http://schemas.microsoft.com/office/drawing/2010/main" xmlns="" w="9525">
                   <a:solidFill>
                     <a:srgbClr val="000000"/>
                   </a:solidFill>
@@ -4102,7 +4103,7 @@
             </a:ln>
             <a:extLst>
               <a:ext uri="{91240B29-F687-4f45-9708-019B960494DF}">
-                <a14:hiddenLine xmlns="" xmlns:a14="http://schemas.microsoft.com/office/drawing/2010/main" w="9525">
+                <a14:hiddenLine xmlns:a14="http://schemas.microsoft.com/office/drawing/2010/main" xmlns="" w="9525">
                   <a:solidFill>
                     <a:srgbClr val="000000"/>
                   </a:solidFill>
@@ -4170,7 +4171,7 @@
             </a:ln>
             <a:extLst>
               <a:ext uri="{91240B29-F687-4f45-9708-019B960494DF}">
-                <a14:hiddenLine xmlns="" xmlns:a14="http://schemas.microsoft.com/office/drawing/2010/main" w="9525">
+                <a14:hiddenLine xmlns:a14="http://schemas.microsoft.com/office/drawing/2010/main" xmlns="" w="9525">
                   <a:solidFill>
                     <a:srgbClr val="000000"/>
                   </a:solidFill>
@@ -4260,7 +4261,7 @@
             </a:ln>
             <a:extLst>
               <a:ext uri="{91240B29-F687-4f45-9708-019B960494DF}">
-                <a14:hiddenLine xmlns="" xmlns:a14="http://schemas.microsoft.com/office/drawing/2010/main" w="9525">
+                <a14:hiddenLine xmlns:a14="http://schemas.microsoft.com/office/drawing/2010/main" xmlns="" w="9525">
                   <a:solidFill>
                     <a:srgbClr val="000000"/>
                   </a:solidFill>
@@ -9074,7 +9075,7 @@
           <a:noFill/>
           <a:extLst>
             <a:ext uri="{909E8E84-426E-40dd-AFC4-6F175D3DCCD1}">
-              <a14:hiddenFill xmlns="" xmlns:a14="http://schemas.microsoft.com/office/drawing/2010/main">
+              <a14:hiddenFill xmlns:a14="http://schemas.microsoft.com/office/drawing/2010/main" xmlns="">
                 <a:solidFill>
                   <a:srgbClr val="FFFFFF"/>
                 </a:solidFill>
@@ -9148,7 +9149,7 @@
               </a:ln>
               <a:extLst>
                 <a:ext uri="{91240B29-F687-4f45-9708-019B960494DF}">
-                  <a14:hiddenLine xmlns="" xmlns:a14="http://schemas.microsoft.com/office/drawing/2010/main" w="9525">
+                  <a14:hiddenLine xmlns:a14="http://schemas.microsoft.com/office/drawing/2010/main" xmlns="" w="9525">
                     <a:solidFill>
                       <a:srgbClr val="000000"/>
                     </a:solidFill>
@@ -9238,7 +9239,7 @@
               </a:ln>
               <a:extLst>
                 <a:ext uri="{91240B29-F687-4f45-9708-019B960494DF}">
-                  <a14:hiddenLine xmlns="" xmlns:a14="http://schemas.microsoft.com/office/drawing/2010/main" w="9525">
+                  <a14:hiddenLine xmlns:a14="http://schemas.microsoft.com/office/drawing/2010/main" xmlns="" w="9525">
                     <a:solidFill>
                       <a:srgbClr val="000000"/>
                     </a:solidFill>
@@ -9328,7 +9329,7 @@
               </a:ln>
               <a:extLst>
                 <a:ext uri="{91240B29-F687-4f45-9708-019B960494DF}">
-                  <a14:hiddenLine xmlns="" xmlns:a14="http://schemas.microsoft.com/office/drawing/2010/main" w="9525">
+                  <a14:hiddenLine xmlns:a14="http://schemas.microsoft.com/office/drawing/2010/main" xmlns="" w="9525">
                     <a:solidFill>
                       <a:srgbClr val="000000"/>
                     </a:solidFill>
@@ -9390,7 +9391,7 @@
               </a:ln>
               <a:extLst>
                 <a:ext uri="{91240B29-F687-4f45-9708-019B960494DF}">
-                  <a14:hiddenLine xmlns="" xmlns:a14="http://schemas.microsoft.com/office/drawing/2010/main" w="9525">
+                  <a14:hiddenLine xmlns:a14="http://schemas.microsoft.com/office/drawing/2010/main" xmlns="" w="9525">
                     <a:solidFill>
                       <a:srgbClr val="000000"/>
                     </a:solidFill>
@@ -9480,7 +9481,7 @@
               </a:ln>
               <a:extLst>
                 <a:ext uri="{91240B29-F687-4f45-9708-019B960494DF}">
-                  <a14:hiddenLine xmlns="" xmlns:a14="http://schemas.microsoft.com/office/drawing/2010/main" w="9525">
+                  <a14:hiddenLine xmlns:a14="http://schemas.microsoft.com/office/drawing/2010/main" xmlns="" w="9525">
                     <a:solidFill>
                       <a:srgbClr val="000000"/>
                     </a:solidFill>
@@ -9542,7 +9543,7 @@
               </a:ln>
               <a:extLst>
                 <a:ext uri="{91240B29-F687-4f45-9708-019B960494DF}">
-                  <a14:hiddenLine xmlns="" xmlns:a14="http://schemas.microsoft.com/office/drawing/2010/main" w="9525">
+                  <a14:hiddenLine xmlns:a14="http://schemas.microsoft.com/office/drawing/2010/main" xmlns="" w="9525">
                     <a:solidFill>
                       <a:srgbClr val="000000"/>
                     </a:solidFill>
@@ -9604,7 +9605,7 @@
               </a:ln>
               <a:extLst>
                 <a:ext uri="{91240B29-F687-4f45-9708-019B960494DF}">
-                  <a14:hiddenLine xmlns="" xmlns:a14="http://schemas.microsoft.com/office/drawing/2010/main" w="9525">
+                  <a14:hiddenLine xmlns:a14="http://schemas.microsoft.com/office/drawing/2010/main" xmlns="" w="9525">
                     <a:solidFill>
                       <a:srgbClr val="000000"/>
                     </a:solidFill>
@@ -9694,7 +9695,7 @@
               </a:ln>
               <a:extLst>
                 <a:ext uri="{91240B29-F687-4f45-9708-019B960494DF}">
-                  <a14:hiddenLine xmlns="" xmlns:a14="http://schemas.microsoft.com/office/drawing/2010/main" w="9525">
+                  <a14:hiddenLine xmlns:a14="http://schemas.microsoft.com/office/drawing/2010/main" xmlns="" w="9525">
                     <a:solidFill>
                       <a:srgbClr val="000000"/>
                     </a:solidFill>
@@ -9784,7 +9785,7 @@
               </a:ln>
               <a:extLst>
                 <a:ext uri="{91240B29-F687-4f45-9708-019B960494DF}">
-                  <a14:hiddenLine xmlns="" xmlns:a14="http://schemas.microsoft.com/office/drawing/2010/main" w="9525">
+                  <a14:hiddenLine xmlns:a14="http://schemas.microsoft.com/office/drawing/2010/main" xmlns="" w="9525">
                     <a:solidFill>
                       <a:srgbClr val="000000"/>
                     </a:solidFill>
@@ -9846,7 +9847,7 @@
               </a:ln>
               <a:extLst>
                 <a:ext uri="{91240B29-F687-4f45-9708-019B960494DF}">
-                  <a14:hiddenLine xmlns="" xmlns:a14="http://schemas.microsoft.com/office/drawing/2010/main" w="9525">
+                  <a14:hiddenLine xmlns:a14="http://schemas.microsoft.com/office/drawing/2010/main" xmlns="" w="9525">
                     <a:solidFill>
                       <a:srgbClr val="000000"/>
                     </a:solidFill>
@@ -9956,7 +9957,7 @@
               </a:ln>
               <a:extLst>
                 <a:ext uri="{91240B29-F687-4f45-9708-019B960494DF}">
-                  <a14:hiddenLine xmlns="" xmlns:a14="http://schemas.microsoft.com/office/drawing/2010/main" w="9525">
+                  <a14:hiddenLine xmlns:a14="http://schemas.microsoft.com/office/drawing/2010/main" xmlns="" w="9525">
                     <a:solidFill>
                       <a:srgbClr val="000000"/>
                     </a:solidFill>
@@ -10040,7 +10041,7 @@
               </a:ln>
               <a:extLst>
                 <a:ext uri="{91240B29-F687-4f45-9708-019B960494DF}">
-                  <a14:hiddenLine xmlns="" xmlns:a14="http://schemas.microsoft.com/office/drawing/2010/main" w="9525">
+                  <a14:hiddenLine xmlns:a14="http://schemas.microsoft.com/office/drawing/2010/main" xmlns="" w="9525">
                     <a:solidFill>
                       <a:srgbClr val="000000"/>
                     </a:solidFill>
@@ -10102,7 +10103,7 @@
               </a:ln>
               <a:extLst>
                 <a:ext uri="{91240B29-F687-4f45-9708-019B960494DF}">
-                  <a14:hiddenLine xmlns="" xmlns:a14="http://schemas.microsoft.com/office/drawing/2010/main" w="9525">
+                  <a14:hiddenLine xmlns:a14="http://schemas.microsoft.com/office/drawing/2010/main" xmlns="" w="9525">
                     <a:solidFill>
                       <a:srgbClr val="000000"/>
                     </a:solidFill>
@@ -10164,7 +10165,7 @@
               </a:ln>
               <a:extLst>
                 <a:ext uri="{91240B29-F687-4f45-9708-019B960494DF}">
-                  <a14:hiddenLine xmlns="" xmlns:a14="http://schemas.microsoft.com/office/drawing/2010/main" w="9525">
+                  <a14:hiddenLine xmlns:a14="http://schemas.microsoft.com/office/drawing/2010/main" xmlns="" w="9525">
                     <a:solidFill>
                       <a:srgbClr val="000000"/>
                     </a:solidFill>
@@ -10254,7 +10255,7 @@
               </a:ln>
               <a:extLst>
                 <a:ext uri="{91240B29-F687-4f45-9708-019B960494DF}">
-                  <a14:hiddenLine xmlns="" xmlns:a14="http://schemas.microsoft.com/office/drawing/2010/main" w="9525">
+                  <a14:hiddenLine xmlns:a14="http://schemas.microsoft.com/office/drawing/2010/main" xmlns="" w="9525">
                     <a:solidFill>
                       <a:srgbClr val="000000"/>
                     </a:solidFill>
@@ -10288,7 +10289,7 @@
               </a:ln>
               <a:extLst>
                 <a:ext uri="{91240B29-F687-4f45-9708-019B960494DF}">
-                  <a14:hiddenLine xmlns="" xmlns:a14="http://schemas.microsoft.com/office/drawing/2010/main" w="9525">
+                  <a14:hiddenLine xmlns:a14="http://schemas.microsoft.com/office/drawing/2010/main" xmlns="" w="9525">
                     <a:solidFill>
                       <a:srgbClr val="000000"/>
                     </a:solidFill>
@@ -10353,7 +10354,7 @@
               </a:ln>
               <a:extLst>
                 <a:ext uri="{91240B29-F687-4f45-9708-019B960494DF}">
-                  <a14:hiddenLine xmlns="" xmlns:a14="http://schemas.microsoft.com/office/drawing/2010/main" w="9525">
+                  <a14:hiddenLine xmlns:a14="http://schemas.microsoft.com/office/drawing/2010/main" xmlns="" w="9525">
                     <a:solidFill>
                       <a:srgbClr val="000000"/>
                     </a:solidFill>
@@ -10443,7 +10444,7 @@
               </a:ln>
               <a:extLst>
                 <a:ext uri="{91240B29-F687-4f45-9708-019B960494DF}">
-                  <a14:hiddenLine xmlns="" xmlns:a14="http://schemas.microsoft.com/office/drawing/2010/main" w="9525">
+                  <a14:hiddenLine xmlns:a14="http://schemas.microsoft.com/office/drawing/2010/main" xmlns="" w="9525">
                     <a:solidFill>
                       <a:srgbClr val="000000"/>
                     </a:solidFill>
@@ -10505,7 +10506,7 @@
               </a:ln>
               <a:extLst>
                 <a:ext uri="{91240B29-F687-4f45-9708-019B960494DF}">
-                  <a14:hiddenLine xmlns="" xmlns:a14="http://schemas.microsoft.com/office/drawing/2010/main" w="9525">
+                  <a14:hiddenLine xmlns:a14="http://schemas.microsoft.com/office/drawing/2010/main" xmlns="" w="9525">
                     <a:solidFill>
                       <a:srgbClr val="000000"/>
                     </a:solidFill>
@@ -10595,7 +10596,7 @@
               </a:ln>
               <a:extLst>
                 <a:ext uri="{91240B29-F687-4f45-9708-019B960494DF}">
-                  <a14:hiddenLine xmlns="" xmlns:a14="http://schemas.microsoft.com/office/drawing/2010/main" w="9525">
+                  <a14:hiddenLine xmlns:a14="http://schemas.microsoft.com/office/drawing/2010/main" xmlns="" w="9525">
                     <a:solidFill>
                       <a:srgbClr val="000000"/>
                     </a:solidFill>
@@ -10660,7 +10661,7 @@
               </a:ln>
               <a:extLst>
                 <a:ext uri="{91240B29-F687-4f45-9708-019B960494DF}">
-                  <a14:hiddenLine xmlns="" xmlns:a14="http://schemas.microsoft.com/office/drawing/2010/main" w="9525">
+                  <a14:hiddenLine xmlns:a14="http://schemas.microsoft.com/office/drawing/2010/main" xmlns="" w="9525">
                     <a:solidFill>
                       <a:srgbClr val="000000"/>
                     </a:solidFill>
@@ -10722,7 +10723,7 @@
               </a:ln>
               <a:extLst>
                 <a:ext uri="{91240B29-F687-4f45-9708-019B960494DF}">
-                  <a14:hiddenLine xmlns="" xmlns:a14="http://schemas.microsoft.com/office/drawing/2010/main" w="9525">
+                  <a14:hiddenLine xmlns:a14="http://schemas.microsoft.com/office/drawing/2010/main" xmlns="" w="9525">
                     <a:solidFill>
                       <a:srgbClr val="000000"/>
                     </a:solidFill>
@@ -10812,7 +10813,7 @@
               </a:ln>
               <a:extLst>
                 <a:ext uri="{91240B29-F687-4f45-9708-019B960494DF}">
-                  <a14:hiddenLine xmlns="" xmlns:a14="http://schemas.microsoft.com/office/drawing/2010/main" w="9525">
+                  <a14:hiddenLine xmlns:a14="http://schemas.microsoft.com/office/drawing/2010/main" xmlns="" w="9525">
                     <a:solidFill>
                       <a:srgbClr val="000000"/>
                     </a:solidFill>
@@ -10902,7 +10903,7 @@
               </a:ln>
               <a:extLst>
                 <a:ext uri="{91240B29-F687-4f45-9708-019B960494DF}">
-                  <a14:hiddenLine xmlns="" xmlns:a14="http://schemas.microsoft.com/office/drawing/2010/main" w="9525">
+                  <a14:hiddenLine xmlns:a14="http://schemas.microsoft.com/office/drawing/2010/main" xmlns="" w="9525">
                     <a:solidFill>
                       <a:srgbClr val="000000"/>
                     </a:solidFill>
@@ -10967,7 +10968,7 @@
               </a:ln>
               <a:extLst>
                 <a:ext uri="{91240B29-F687-4f45-9708-019B960494DF}">
-                  <a14:hiddenLine xmlns="" xmlns:a14="http://schemas.microsoft.com/office/drawing/2010/main" w="9525">
+                  <a14:hiddenLine xmlns:a14="http://schemas.microsoft.com/office/drawing/2010/main" xmlns="" w="9525">
                     <a:solidFill>
                       <a:srgbClr val="000000"/>
                     </a:solidFill>
@@ -11087,7 +11088,7 @@
               </a:ln>
               <a:extLst>
                 <a:ext uri="{91240B29-F687-4f45-9708-019B960494DF}">
-                  <a14:hiddenLine xmlns="" xmlns:a14="http://schemas.microsoft.com/office/drawing/2010/main" w="9525">
+                  <a14:hiddenLine xmlns:a14="http://schemas.microsoft.com/office/drawing/2010/main" xmlns="" w="9525">
                     <a:solidFill>
                       <a:srgbClr val="000000"/>
                     </a:solidFill>
@@ -11168,7 +11169,7 @@
               </a:ln>
               <a:extLst>
                 <a:ext uri="{91240B29-F687-4f45-9708-019B960494DF}">
-                  <a14:hiddenLine xmlns="" xmlns:a14="http://schemas.microsoft.com/office/drawing/2010/main" w="9525">
+                  <a14:hiddenLine xmlns:a14="http://schemas.microsoft.com/office/drawing/2010/main" xmlns="" w="9525">
                     <a:solidFill>
                       <a:srgbClr val="000000"/>
                     </a:solidFill>
@@ -11283,7 +11284,7 @@
               </a:ln>
               <a:extLst>
                 <a:ext uri="{91240B29-F687-4f45-9708-019B960494DF}">
-                  <a14:hiddenLine xmlns="" xmlns:a14="http://schemas.microsoft.com/office/drawing/2010/main" w="9525">
+                  <a14:hiddenLine xmlns:a14="http://schemas.microsoft.com/office/drawing/2010/main" xmlns="" w="9525">
                     <a:solidFill>
                       <a:srgbClr val="000000"/>
                     </a:solidFill>
@@ -11373,7 +11374,7 @@
               </a:ln>
               <a:extLst>
                 <a:ext uri="{91240B29-F687-4f45-9708-019B960494DF}">
-                  <a14:hiddenLine xmlns="" xmlns:a14="http://schemas.microsoft.com/office/drawing/2010/main" w="9525">
+                  <a14:hiddenLine xmlns:a14="http://schemas.microsoft.com/office/drawing/2010/main" xmlns="" w="9525">
                     <a:solidFill>
                       <a:srgbClr val="000000"/>
                     </a:solidFill>
@@ -11438,7 +11439,7 @@
               </a:ln>
               <a:extLst>
                 <a:ext uri="{91240B29-F687-4f45-9708-019B960494DF}">
-                  <a14:hiddenLine xmlns="" xmlns:a14="http://schemas.microsoft.com/office/drawing/2010/main" w="9525">
+                  <a14:hiddenLine xmlns:a14="http://schemas.microsoft.com/office/drawing/2010/main" xmlns="" w="9525">
                     <a:solidFill>
                       <a:srgbClr val="000000"/>
                     </a:solidFill>
@@ -11528,7 +11529,7 @@
               </a:ln>
               <a:extLst>
                 <a:ext uri="{91240B29-F687-4f45-9708-019B960494DF}">
-                  <a14:hiddenLine xmlns="" xmlns:a14="http://schemas.microsoft.com/office/drawing/2010/main" w="9525">
+                  <a14:hiddenLine xmlns:a14="http://schemas.microsoft.com/office/drawing/2010/main" xmlns="" w="9525">
                     <a:solidFill>
                       <a:srgbClr val="000000"/>
                     </a:solidFill>
@@ -11596,7 +11597,7 @@
               </a:ln>
               <a:extLst>
                 <a:ext uri="{91240B29-F687-4f45-9708-019B960494DF}">
-                  <a14:hiddenLine xmlns="" xmlns:a14="http://schemas.microsoft.com/office/drawing/2010/main" w="9525">
+                  <a14:hiddenLine xmlns:a14="http://schemas.microsoft.com/office/drawing/2010/main" xmlns="" w="9525">
                     <a:solidFill>
                       <a:srgbClr val="000000"/>
                     </a:solidFill>
@@ -11686,7 +11687,7 @@
               </a:ln>
               <a:extLst>
                 <a:ext uri="{91240B29-F687-4f45-9708-019B960494DF}">
-                  <a14:hiddenLine xmlns="" xmlns:a14="http://schemas.microsoft.com/office/drawing/2010/main" w="9525">
+                  <a14:hiddenLine xmlns:a14="http://schemas.microsoft.com/office/drawing/2010/main" xmlns="" w="9525">
                     <a:solidFill>
                       <a:srgbClr val="000000"/>
                     </a:solidFill>
@@ -11754,7 +11755,7 @@
               </a:ln>
               <a:extLst>
                 <a:ext uri="{91240B29-F687-4f45-9708-019B960494DF}">
-                  <a14:hiddenLine xmlns="" xmlns:a14="http://schemas.microsoft.com/office/drawing/2010/main" w="9525">
+                  <a14:hiddenLine xmlns:a14="http://schemas.microsoft.com/office/drawing/2010/main" xmlns="" w="9525">
                     <a:solidFill>
                       <a:srgbClr val="000000"/>
                     </a:solidFill>
@@ -11844,7 +11845,7 @@
               </a:ln>
               <a:extLst>
                 <a:ext uri="{91240B29-F687-4f45-9708-019B960494DF}">
-                  <a14:hiddenLine xmlns="" xmlns:a14="http://schemas.microsoft.com/office/drawing/2010/main" w="9525">
+                  <a14:hiddenLine xmlns:a14="http://schemas.microsoft.com/office/drawing/2010/main" xmlns="" w="9525">
                     <a:solidFill>
                       <a:srgbClr val="000000"/>
                     </a:solidFill>
@@ -11878,7 +11879,7 @@
               </a:ln>
               <a:extLst>
                 <a:ext uri="{91240B29-F687-4f45-9708-019B960494DF}">
-                  <a14:hiddenLine xmlns="" xmlns:a14="http://schemas.microsoft.com/office/drawing/2010/main" w="9525">
+                  <a14:hiddenLine xmlns:a14="http://schemas.microsoft.com/office/drawing/2010/main" xmlns="" w="9525">
                     <a:solidFill>
                       <a:srgbClr val="000000"/>
                     </a:solidFill>
@@ -12758,6 +12759,206 @@
           <p:cNvPr id="2" name="Title 1">
             <a:extLst>
               <a:ext uri="{FF2B5EF4-FFF2-40B4-BE49-F238E27FC236}">
+                <a16:creationId xmlns:a16="http://schemas.microsoft.com/office/drawing/2014/main" id="{3DECC6FF-7518-43E9-8795-83C7BB902F02}"/>
+              </a:ext>
+            </a:extLst>
+          </p:cNvPr>
+          <p:cNvSpPr>
+            <a:spLocks noGrp="1"/>
+          </p:cNvSpPr>
+          <p:nvPr>
+            <p:ph type="title"/>
+          </p:nvPr>
+        </p:nvSpPr>
+        <p:spPr/>
+        <p:txBody>
+          <a:bodyPr/>
+          <a:lstStyle/>
+          <a:p>
+            <a:r>
+              <a:rPr lang="en-US" dirty="0"/>
+              <a:t>Webpage </a:t>
+            </a:r>
+            <a:r>
+              <a:rPr lang="en-US" dirty="0" err="1"/>
+              <a:t>tO</a:t>
+            </a:r>
+            <a:r>
+              <a:rPr lang="en-US" dirty="0"/>
+              <a:t> SalesForce</a:t>
+            </a:r>
+          </a:p>
+        </p:txBody>
+      </p:sp>
+      <p:pic>
+        <p:nvPicPr>
+          <p:cNvPr id="5" name="Content Placeholder 4" descr="Graphical user interface&#10;&#10;Description automatically generated">
+            <a:extLst>
+              <a:ext uri="{FF2B5EF4-FFF2-40B4-BE49-F238E27FC236}">
+                <a16:creationId xmlns:a16="http://schemas.microsoft.com/office/drawing/2014/main" id="{EB3AC8FD-F638-4A29-A4FC-BE4809ECF8B5}"/>
+              </a:ext>
+            </a:extLst>
+          </p:cNvPr>
+          <p:cNvPicPr>
+            <a:picLocks noGrp="1" noChangeAspect="1"/>
+          </p:cNvPicPr>
+          <p:nvPr>
+            <p:ph idx="1"/>
+          </p:nvPr>
+        </p:nvPicPr>
+        <p:blipFill rotWithShape="1">
+          <a:blip r:embed="rId2">
+            <a:extLst>
+              <a:ext uri="{28A0092B-C50C-407E-A947-70E740481C1C}">
+                <a14:useLocalDpi xmlns:a14="http://schemas.microsoft.com/office/drawing/2010/main" val="0"/>
+              </a:ext>
+            </a:extLst>
+          </a:blip>
+          <a:srcRect t="7475" r="4713" b="1"/>
+          <a:stretch/>
+        </p:blipFill>
+        <p:spPr>
+          <a:xfrm>
+            <a:off x="1141413" y="1724356"/>
+            <a:ext cx="4581776" cy="3932262"/>
+          </a:xfrm>
+        </p:spPr>
+      </p:pic>
+      <p:pic>
+        <p:nvPicPr>
+          <p:cNvPr id="9" name="Picture 8" descr="Table&#10;&#10;Description automatically generated">
+            <a:extLst>
+              <a:ext uri="{FF2B5EF4-FFF2-40B4-BE49-F238E27FC236}">
+                <a16:creationId xmlns:a16="http://schemas.microsoft.com/office/drawing/2014/main" id="{47C589EB-0876-47E6-8736-525A2084867B}"/>
+              </a:ext>
+            </a:extLst>
+          </p:cNvPr>
+          <p:cNvPicPr>
+            <a:picLocks noChangeAspect="1"/>
+          </p:cNvPicPr>
+          <p:nvPr/>
+        </p:nvPicPr>
+        <p:blipFill>
+          <a:blip r:embed="rId3">
+            <a:extLst>
+              <a:ext uri="{28A0092B-C50C-407E-A947-70E740481C1C}">
+                <a14:useLocalDpi xmlns:a14="http://schemas.microsoft.com/office/drawing/2010/main" val="0"/>
+              </a:ext>
+            </a:extLst>
+          </a:blip>
+          <a:stretch>
+            <a:fillRect/>
+          </a:stretch>
+        </p:blipFill>
+        <p:spPr>
+          <a:xfrm>
+            <a:off x="6154797" y="1845126"/>
+            <a:ext cx="5155479" cy="3503426"/>
+          </a:xfrm>
+          <a:prstGeom prst="rect">
+            <a:avLst/>
+          </a:prstGeom>
+        </p:spPr>
+      </p:pic>
+      <p:sp>
+        <p:nvSpPr>
+          <p:cNvPr id="12" name="Arrow: Right 11">
+            <a:extLst>
+              <a:ext uri="{FF2B5EF4-FFF2-40B4-BE49-F238E27FC236}">
+                <a16:creationId xmlns:a16="http://schemas.microsoft.com/office/drawing/2014/main" id="{E513C12A-9DBC-404C-ABC6-2CC63CAFBC36}"/>
+              </a:ext>
+            </a:extLst>
+          </p:cNvPr>
+          <p:cNvSpPr/>
+          <p:nvPr/>
+        </p:nvSpPr>
+        <p:spPr>
+          <a:xfrm>
+            <a:off x="4938473" y="3596839"/>
+            <a:ext cx="1155939" cy="422695"/>
+          </a:xfrm>
+          <a:prstGeom prst="rightArrow">
+            <a:avLst>
+              <a:gd name="adj1" fmla="val 37755"/>
+              <a:gd name="adj2" fmla="val 74490"/>
+            </a:avLst>
+          </a:prstGeom>
+          <a:solidFill>
+            <a:srgbClr val="FF0000"/>
+          </a:solidFill>
+          <a:ln>
+            <a:solidFill>
+              <a:srgbClr val="FF0000"/>
+            </a:solidFill>
+          </a:ln>
+        </p:spPr>
+        <p:style>
+          <a:lnRef idx="2">
+            <a:schemeClr val="accent1">
+              <a:shade val="50000"/>
+            </a:schemeClr>
+          </a:lnRef>
+          <a:fillRef idx="1">
+            <a:schemeClr val="accent1"/>
+          </a:fillRef>
+          <a:effectRef idx="0">
+            <a:schemeClr val="accent1"/>
+          </a:effectRef>
+          <a:fontRef idx="minor">
+            <a:schemeClr val="lt1"/>
+          </a:fontRef>
+        </p:style>
+        <p:txBody>
+          <a:bodyPr rtlCol="0" anchor="ctr"/>
+          <a:lstStyle/>
+          <a:p>
+            <a:pPr algn="ctr"/>
+            <a:endParaRPr lang="en-US" dirty="0">
+              <a:solidFill>
+                <a:schemeClr val="tx1"/>
+              </a:solidFill>
+              <a:highlight>
+                <a:srgbClr val="FF0000"/>
+              </a:highlight>
+            </a:endParaRPr>
+          </a:p>
+        </p:txBody>
+      </p:sp>
+    </p:spTree>
+    <p:extLst>
+      <p:ext uri="{BB962C8B-B14F-4D97-AF65-F5344CB8AC3E}">
+        <p14:creationId xmlns:p14="http://schemas.microsoft.com/office/powerpoint/2010/main" val="3390441906"/>
+      </p:ext>
+    </p:extLst>
+  </p:cSld>
+  <p:clrMapOvr>
+    <a:masterClrMapping/>
+  </p:clrMapOvr>
+</p:sld>
+</file>
+
+<file path=ppt/slides/slide4.xml><?xml version="1.0" encoding="utf-8"?>
+<p:sld xmlns:a="http://schemas.openxmlformats.org/drawingml/2006/main" xmlns:r="http://schemas.openxmlformats.org/officeDocument/2006/relationships" xmlns:p="http://schemas.openxmlformats.org/presentationml/2006/main">
+  <p:cSld>
+    <p:spTree>
+      <p:nvGrpSpPr>
+        <p:cNvPr id="1" name=""/>
+        <p:cNvGrpSpPr/>
+        <p:nvPr/>
+      </p:nvGrpSpPr>
+      <p:grpSpPr>
+        <a:xfrm>
+          <a:off x="0" y="0"/>
+          <a:ext cx="0" cy="0"/>
+          <a:chOff x="0" y="0"/>
+          <a:chExt cx="0" cy="0"/>
+        </a:xfrm>
+      </p:grpSpPr>
+      <p:sp>
+        <p:nvSpPr>
+          <p:cNvPr id="2" name="Title 1">
+            <a:extLst>
+              <a:ext uri="{FF2B5EF4-FFF2-40B4-BE49-F238E27FC236}">
                 <a16:creationId xmlns:a16="http://schemas.microsoft.com/office/drawing/2014/main" id="{7B9F1193-2320-4A1F-8460-EC0415F4BE44}"/>
               </a:ext>
             </a:extLst>
@@ -12776,7 +12977,7 @@
           <a:p>
             <a:r>
               <a:rPr lang="en-US" dirty="0"/>
-              <a:t>Salesforce Benefits For VLB</a:t>
+              <a:t>Salesforce features For VLB</a:t>
             </a:r>
           </a:p>
         </p:txBody>
@@ -12972,7 +13173,7 @@
 </p:sld>
 </file>
 
-<file path=ppt/slides/slide4.xml><?xml version="1.0" encoding="utf-8"?>
+<file path=ppt/slides/slide5.xml><?xml version="1.0" encoding="utf-8"?>
 <p:sld xmlns:a="http://schemas.openxmlformats.org/drawingml/2006/main" xmlns:r="http://schemas.openxmlformats.org/officeDocument/2006/relationships" xmlns:p="http://schemas.openxmlformats.org/presentationml/2006/main">
   <p:cSld>
     <p:spTree>
@@ -13065,7 +13266,7 @@
 </p:sld>
 </file>
 
-<file path=ppt/slides/slide5.xml><?xml version="1.0" encoding="utf-8"?>
+<file path=ppt/slides/slide6.xml><?xml version="1.0" encoding="utf-8"?>
 <p:sld xmlns:a="http://schemas.openxmlformats.org/drawingml/2006/main" xmlns:r="http://schemas.openxmlformats.org/officeDocument/2006/relationships" xmlns:p="http://schemas.openxmlformats.org/presentationml/2006/main">
   <p:cSld>
     <p:spTree>
@@ -13157,7 +13358,7 @@
 </p:sld>
 </file>
 
-<file path=ppt/slides/slide6.xml><?xml version="1.0" encoding="utf-8"?>
+<file path=ppt/slides/slide7.xml><?xml version="1.0" encoding="utf-8"?>
 <p:sld xmlns:a="http://schemas.openxmlformats.org/drawingml/2006/main" xmlns:r="http://schemas.openxmlformats.org/officeDocument/2006/relationships" xmlns:p="http://schemas.openxmlformats.org/presentationml/2006/main">
   <p:cSld>
     <p:spTree>
@@ -13315,7 +13516,7 @@
 </p:sld>
 </file>
 
-<file path=ppt/slides/slide7.xml><?xml version="1.0" encoding="utf-8"?>
+<file path=ppt/slides/slide8.xml><?xml version="1.0" encoding="utf-8"?>
 <p:sld xmlns:a="http://schemas.openxmlformats.org/drawingml/2006/main" xmlns:r="http://schemas.openxmlformats.org/officeDocument/2006/relationships" xmlns:p="http://schemas.openxmlformats.org/presentationml/2006/main">
   <p:cSld>
     <p:spTree>

--- a/Project 0 Presentation - IE.pptx
+++ b/Project 0 Presentation - IE.pptx
@@ -176,7 +176,7 @@
           <a:noFill/>
           <a:extLst>
             <a:ext uri="{909E8E84-426E-40dd-AFC4-6F175D3DCCD1}">
-              <a14:hiddenFill xmlns:a14="http://schemas.microsoft.com/office/drawing/2010/main" xmlns="">
+              <a14:hiddenFill xmlns="" xmlns:a14="http://schemas.microsoft.com/office/drawing/2010/main">
                 <a:solidFill>
                   <a:srgbClr val="FFFFFF"/>
                 </a:solidFill>
@@ -235,7 +235,7 @@
             </a:ln>
             <a:extLst>
               <a:ext uri="{91240B29-F687-4f45-9708-019B960494DF}">
-                <a14:hiddenLine xmlns:a14="http://schemas.microsoft.com/office/drawing/2010/main" xmlns="" w="9525">
+                <a14:hiddenLine xmlns="" xmlns:a14="http://schemas.microsoft.com/office/drawing/2010/main" w="9525">
                   <a:solidFill>
                     <a:srgbClr val="000000"/>
                   </a:solidFill>
@@ -325,7 +325,7 @@
             </a:ln>
             <a:extLst>
               <a:ext uri="{91240B29-F687-4f45-9708-019B960494DF}">
-                <a14:hiddenLine xmlns:a14="http://schemas.microsoft.com/office/drawing/2010/main" xmlns="" w="9525">
+                <a14:hiddenLine xmlns="" xmlns:a14="http://schemas.microsoft.com/office/drawing/2010/main" w="9525">
                   <a:solidFill>
                     <a:srgbClr val="000000"/>
                   </a:solidFill>
@@ -415,7 +415,7 @@
             </a:ln>
             <a:extLst>
               <a:ext uri="{91240B29-F687-4f45-9708-019B960494DF}">
-                <a14:hiddenLine xmlns:a14="http://schemas.microsoft.com/office/drawing/2010/main" xmlns="" w="9525">
+                <a14:hiddenLine xmlns="" xmlns:a14="http://schemas.microsoft.com/office/drawing/2010/main" w="9525">
                   <a:solidFill>
                     <a:srgbClr val="000000"/>
                   </a:solidFill>
@@ -449,7 +449,7 @@
             </a:ln>
             <a:extLst>
               <a:ext uri="{91240B29-F687-4f45-9708-019B960494DF}">
-                <a14:hiddenLine xmlns:a14="http://schemas.microsoft.com/office/drawing/2010/main" xmlns="" w="9525">
+                <a14:hiddenLine xmlns="" xmlns:a14="http://schemas.microsoft.com/office/drawing/2010/main" w="9525">
                   <a:solidFill>
                     <a:srgbClr val="000000"/>
                   </a:solidFill>
@@ -539,7 +539,7 @@
             </a:ln>
             <a:extLst>
               <a:ext uri="{91240B29-F687-4f45-9708-019B960494DF}">
-                <a14:hiddenLine xmlns:a14="http://schemas.microsoft.com/office/drawing/2010/main" xmlns="" w="9525">
+                <a14:hiddenLine xmlns="" xmlns:a14="http://schemas.microsoft.com/office/drawing/2010/main" w="9525">
                   <a:solidFill>
                     <a:srgbClr val="000000"/>
                   </a:solidFill>
@@ -601,7 +601,7 @@
             </a:ln>
             <a:extLst>
               <a:ext uri="{91240B29-F687-4f45-9708-019B960494DF}">
-                <a14:hiddenLine xmlns:a14="http://schemas.microsoft.com/office/drawing/2010/main" xmlns="" w="9525">
+                <a14:hiddenLine xmlns="" xmlns:a14="http://schemas.microsoft.com/office/drawing/2010/main" w="9525">
                   <a:solidFill>
                     <a:srgbClr val="000000"/>
                   </a:solidFill>
@@ -663,7 +663,7 @@
             </a:ln>
             <a:extLst>
               <a:ext uri="{91240B29-F687-4f45-9708-019B960494DF}">
-                <a14:hiddenLine xmlns:a14="http://schemas.microsoft.com/office/drawing/2010/main" xmlns="" w="9525">
+                <a14:hiddenLine xmlns="" xmlns:a14="http://schemas.microsoft.com/office/drawing/2010/main" w="9525">
                   <a:solidFill>
                     <a:srgbClr val="000000"/>
                   </a:solidFill>
@@ -753,7 +753,7 @@
             </a:ln>
             <a:extLst>
               <a:ext uri="{91240B29-F687-4f45-9708-019B960494DF}">
-                <a14:hiddenLine xmlns:a14="http://schemas.microsoft.com/office/drawing/2010/main" xmlns="" w="9525">
+                <a14:hiddenLine xmlns="" xmlns:a14="http://schemas.microsoft.com/office/drawing/2010/main" w="9525">
                   <a:solidFill>
                     <a:srgbClr val="000000"/>
                   </a:solidFill>
@@ -815,7 +815,7 @@
             </a:ln>
             <a:extLst>
               <a:ext uri="{91240B29-F687-4f45-9708-019B960494DF}">
-                <a14:hiddenLine xmlns:a14="http://schemas.microsoft.com/office/drawing/2010/main" xmlns="" w="9525">
+                <a14:hiddenLine xmlns="" xmlns:a14="http://schemas.microsoft.com/office/drawing/2010/main" w="9525">
                   <a:solidFill>
                     <a:srgbClr val="000000"/>
                   </a:solidFill>
@@ -877,7 +877,7 @@
             </a:ln>
             <a:extLst>
               <a:ext uri="{91240B29-F687-4f45-9708-019B960494DF}">
-                <a14:hiddenLine xmlns:a14="http://schemas.microsoft.com/office/drawing/2010/main" xmlns="" w="9525">
+                <a14:hiddenLine xmlns="" xmlns:a14="http://schemas.microsoft.com/office/drawing/2010/main" w="9525">
                   <a:solidFill>
                     <a:srgbClr val="000000"/>
                   </a:solidFill>
@@ -967,7 +967,7 @@
             </a:ln>
             <a:extLst>
               <a:ext uri="{91240B29-F687-4f45-9708-019B960494DF}">
-                <a14:hiddenLine xmlns:a14="http://schemas.microsoft.com/office/drawing/2010/main" xmlns="" w="9525">
+                <a14:hiddenLine xmlns="" xmlns:a14="http://schemas.microsoft.com/office/drawing/2010/main" w="9525">
                   <a:solidFill>
                     <a:srgbClr val="000000"/>
                   </a:solidFill>
@@ -1057,7 +1057,7 @@
             </a:ln>
             <a:extLst>
               <a:ext uri="{91240B29-F687-4f45-9708-019B960494DF}">
-                <a14:hiddenLine xmlns:a14="http://schemas.microsoft.com/office/drawing/2010/main" xmlns="" w="9525">
+                <a14:hiddenLine xmlns="" xmlns:a14="http://schemas.microsoft.com/office/drawing/2010/main" w="9525">
                   <a:solidFill>
                     <a:srgbClr val="000000"/>
                   </a:solidFill>
@@ -1119,7 +1119,7 @@
             </a:ln>
             <a:extLst>
               <a:ext uri="{91240B29-F687-4f45-9708-019B960494DF}">
-                <a14:hiddenLine xmlns:a14="http://schemas.microsoft.com/office/drawing/2010/main" xmlns="" w="9525">
+                <a14:hiddenLine xmlns="" xmlns:a14="http://schemas.microsoft.com/office/drawing/2010/main" w="9525">
                   <a:solidFill>
                     <a:srgbClr val="000000"/>
                   </a:solidFill>
@@ -1229,7 +1229,7 @@
             </a:ln>
             <a:extLst>
               <a:ext uri="{91240B29-F687-4f45-9708-019B960494DF}">
-                <a14:hiddenLine xmlns:a14="http://schemas.microsoft.com/office/drawing/2010/main" xmlns="" w="9525">
+                <a14:hiddenLine xmlns="" xmlns:a14="http://schemas.microsoft.com/office/drawing/2010/main" w="9525">
                   <a:solidFill>
                     <a:srgbClr val="000000"/>
                   </a:solidFill>
@@ -1291,7 +1291,7 @@
             </a:ln>
             <a:extLst>
               <a:ext uri="{91240B29-F687-4f45-9708-019B960494DF}">
-                <a14:hiddenLine xmlns:a14="http://schemas.microsoft.com/office/drawing/2010/main" xmlns="" w="9525">
+                <a14:hiddenLine xmlns="" xmlns:a14="http://schemas.microsoft.com/office/drawing/2010/main" w="9525">
                   <a:solidFill>
                     <a:srgbClr val="000000"/>
                   </a:solidFill>
@@ -1381,7 +1381,7 @@
             </a:ln>
             <a:extLst>
               <a:ext uri="{91240B29-F687-4f45-9708-019B960494DF}">
-                <a14:hiddenLine xmlns:a14="http://schemas.microsoft.com/office/drawing/2010/main" xmlns="" w="9525">
+                <a14:hiddenLine xmlns="" xmlns:a14="http://schemas.microsoft.com/office/drawing/2010/main" w="9525">
                   <a:solidFill>
                     <a:srgbClr val="000000"/>
                   </a:solidFill>
@@ -1471,7 +1471,7 @@
             </a:ln>
             <a:extLst>
               <a:ext uri="{91240B29-F687-4f45-9708-019B960494DF}">
-                <a14:hiddenLine xmlns:a14="http://schemas.microsoft.com/office/drawing/2010/main" xmlns="" w="9525">
+                <a14:hiddenLine xmlns="" xmlns:a14="http://schemas.microsoft.com/office/drawing/2010/main" w="9525">
                   <a:solidFill>
                     <a:srgbClr val="000000"/>
                   </a:solidFill>
@@ -1533,7 +1533,7 @@
             </a:ln>
             <a:extLst>
               <a:ext uri="{91240B29-F687-4f45-9708-019B960494DF}">
-                <a14:hiddenLine xmlns:a14="http://schemas.microsoft.com/office/drawing/2010/main" xmlns="" w="9525">
+                <a14:hiddenLine xmlns="" xmlns:a14="http://schemas.microsoft.com/office/drawing/2010/main" w="9525">
                   <a:solidFill>
                     <a:srgbClr val="000000"/>
                   </a:solidFill>
@@ -1623,7 +1623,7 @@
             </a:ln>
             <a:extLst>
               <a:ext uri="{91240B29-F687-4f45-9708-019B960494DF}">
-                <a14:hiddenLine xmlns:a14="http://schemas.microsoft.com/office/drawing/2010/main" xmlns="" w="9525">
+                <a14:hiddenLine xmlns="" xmlns:a14="http://schemas.microsoft.com/office/drawing/2010/main" w="9525">
                   <a:solidFill>
                     <a:srgbClr val="000000"/>
                   </a:solidFill>
@@ -1713,7 +1713,7 @@
             </a:ln>
             <a:extLst>
               <a:ext uri="{91240B29-F687-4f45-9708-019B960494DF}">
-                <a14:hiddenLine xmlns:a14="http://schemas.microsoft.com/office/drawing/2010/main" xmlns="" w="9525">
+                <a14:hiddenLine xmlns="" xmlns:a14="http://schemas.microsoft.com/office/drawing/2010/main" w="9525">
                   <a:solidFill>
                     <a:srgbClr val="000000"/>
                   </a:solidFill>
@@ -1769,7 +1769,7 @@
             </a:ln>
             <a:extLst>
               <a:ext uri="{91240B29-F687-4f45-9708-019B960494DF}">
-                <a14:hiddenLine xmlns:a14="http://schemas.microsoft.com/office/drawing/2010/main" xmlns="" w="9525">
+                <a14:hiddenLine xmlns="" xmlns:a14="http://schemas.microsoft.com/office/drawing/2010/main" w="9525">
                   <a:solidFill>
                     <a:srgbClr val="000000"/>
                   </a:solidFill>
@@ -1859,7 +1859,7 @@
             </a:ln>
             <a:extLst>
               <a:ext uri="{91240B29-F687-4f45-9708-019B960494DF}">
-                <a14:hiddenLine xmlns:a14="http://schemas.microsoft.com/office/drawing/2010/main" xmlns="" w="9525">
+                <a14:hiddenLine xmlns="" xmlns:a14="http://schemas.microsoft.com/office/drawing/2010/main" w="9525">
                   <a:solidFill>
                     <a:srgbClr val="000000"/>
                   </a:solidFill>
@@ -1915,7 +1915,7 @@
             </a:ln>
             <a:extLst>
               <a:ext uri="{91240B29-F687-4f45-9708-019B960494DF}">
-                <a14:hiddenLine xmlns:a14="http://schemas.microsoft.com/office/drawing/2010/main" xmlns="" w="9525">
+                <a14:hiddenLine xmlns="" xmlns:a14="http://schemas.microsoft.com/office/drawing/2010/main" w="9525">
                   <a:solidFill>
                     <a:srgbClr val="000000"/>
                   </a:solidFill>
@@ -2005,7 +2005,7 @@
             </a:ln>
             <a:extLst>
               <a:ext uri="{91240B29-F687-4f45-9708-019B960494DF}">
-                <a14:hiddenLine xmlns:a14="http://schemas.microsoft.com/office/drawing/2010/main" xmlns="" w="9525">
+                <a14:hiddenLine xmlns="" xmlns:a14="http://schemas.microsoft.com/office/drawing/2010/main" w="9525">
                   <a:solidFill>
                     <a:srgbClr val="000000"/>
                   </a:solidFill>
@@ -2073,7 +2073,7 @@
             </a:ln>
             <a:extLst>
               <a:ext uri="{91240B29-F687-4f45-9708-019B960494DF}">
-                <a14:hiddenLine xmlns:a14="http://schemas.microsoft.com/office/drawing/2010/main" xmlns="" w="9525">
+                <a14:hiddenLine xmlns="" xmlns:a14="http://schemas.microsoft.com/office/drawing/2010/main" w="9525">
                   <a:solidFill>
                     <a:srgbClr val="000000"/>
                   </a:solidFill>
@@ -2163,7 +2163,7 @@
             </a:ln>
             <a:extLst>
               <a:ext uri="{91240B29-F687-4f45-9708-019B960494DF}">
-                <a14:hiddenLine xmlns:a14="http://schemas.microsoft.com/office/drawing/2010/main" xmlns="" w="9525">
+                <a14:hiddenLine xmlns="" xmlns:a14="http://schemas.microsoft.com/office/drawing/2010/main" w="9525">
                   <a:solidFill>
                     <a:srgbClr val="000000"/>
                   </a:solidFill>
@@ -2231,7 +2231,7 @@
             </a:ln>
             <a:extLst>
               <a:ext uri="{91240B29-F687-4f45-9708-019B960494DF}">
-                <a14:hiddenLine xmlns:a14="http://schemas.microsoft.com/office/drawing/2010/main" xmlns="" w="9525">
+                <a14:hiddenLine xmlns="" xmlns:a14="http://schemas.microsoft.com/office/drawing/2010/main" w="9525">
                   <a:solidFill>
                     <a:srgbClr val="000000"/>
                   </a:solidFill>
@@ -2321,7 +2321,7 @@
             </a:ln>
             <a:extLst>
               <a:ext uri="{91240B29-F687-4f45-9708-019B960494DF}">
-                <a14:hiddenLine xmlns:a14="http://schemas.microsoft.com/office/drawing/2010/main" xmlns="" w="9525">
+                <a14:hiddenLine xmlns="" xmlns:a14="http://schemas.microsoft.com/office/drawing/2010/main" w="9525">
                   <a:solidFill>
                     <a:srgbClr val="000000"/>
                   </a:solidFill>
@@ -2355,7 +2355,7 @@
             </a:ln>
             <a:extLst>
               <a:ext uri="{91240B29-F687-4f45-9708-019B960494DF}">
-                <a14:hiddenLine xmlns:a14="http://schemas.microsoft.com/office/drawing/2010/main" xmlns="" w="9525">
+                <a14:hiddenLine xmlns="" xmlns:a14="http://schemas.microsoft.com/office/drawing/2010/main" w="9525">
                   <a:solidFill>
                     <a:srgbClr val="000000"/>
                   </a:solidFill>
@@ -2445,7 +2445,7 @@
             </a:ln>
             <a:extLst>
               <a:ext uri="{91240B29-F687-4f45-9708-019B960494DF}">
-                <a14:hiddenLine xmlns:a14="http://schemas.microsoft.com/office/drawing/2010/main" xmlns="" w="9525">
+                <a14:hiddenLine xmlns="" xmlns:a14="http://schemas.microsoft.com/office/drawing/2010/main" w="9525">
                   <a:solidFill>
                     <a:srgbClr val="000000"/>
                   </a:solidFill>
@@ -2507,7 +2507,7 @@
             </a:ln>
             <a:extLst>
               <a:ext uri="{91240B29-F687-4f45-9708-019B960494DF}">
-                <a14:hiddenLine xmlns:a14="http://schemas.microsoft.com/office/drawing/2010/main" xmlns="" w="9525">
+                <a14:hiddenLine xmlns="" xmlns:a14="http://schemas.microsoft.com/office/drawing/2010/main" w="9525">
                   <a:solidFill>
                     <a:srgbClr val="000000"/>
                   </a:solidFill>
@@ -2569,7 +2569,7 @@
             </a:ln>
             <a:extLst>
               <a:ext uri="{91240B29-F687-4f45-9708-019B960494DF}">
-                <a14:hiddenLine xmlns:a14="http://schemas.microsoft.com/office/drawing/2010/main" xmlns="" w="9525">
+                <a14:hiddenLine xmlns="" xmlns:a14="http://schemas.microsoft.com/office/drawing/2010/main" w="9525">
                   <a:solidFill>
                     <a:srgbClr val="000000"/>
                   </a:solidFill>
@@ -2659,7 +2659,7 @@
             </a:ln>
             <a:extLst>
               <a:ext uri="{91240B29-F687-4f45-9708-019B960494DF}">
-                <a14:hiddenLine xmlns:a14="http://schemas.microsoft.com/office/drawing/2010/main" xmlns="" w="9525">
+                <a14:hiddenLine xmlns="" xmlns:a14="http://schemas.microsoft.com/office/drawing/2010/main" w="9525">
                   <a:solidFill>
                     <a:srgbClr val="000000"/>
                   </a:solidFill>
@@ -2727,7 +2727,7 @@
             </a:ln>
             <a:extLst>
               <a:ext uri="{91240B29-F687-4f45-9708-019B960494DF}">
-                <a14:hiddenLine xmlns:a14="http://schemas.microsoft.com/office/drawing/2010/main" xmlns="" w="9525">
+                <a14:hiddenLine xmlns="" xmlns:a14="http://schemas.microsoft.com/office/drawing/2010/main" w="9525">
                   <a:solidFill>
                     <a:srgbClr val="000000"/>
                   </a:solidFill>
@@ -2789,7 +2789,7 @@
             </a:ln>
             <a:extLst>
               <a:ext uri="{91240B29-F687-4f45-9708-019B960494DF}">
-                <a14:hiddenLine xmlns:a14="http://schemas.microsoft.com/office/drawing/2010/main" xmlns="" w="9525">
+                <a14:hiddenLine xmlns="" xmlns:a14="http://schemas.microsoft.com/office/drawing/2010/main" w="9525">
                   <a:solidFill>
                     <a:srgbClr val="000000"/>
                   </a:solidFill>
@@ -2879,7 +2879,7 @@
             </a:ln>
             <a:extLst>
               <a:ext uri="{91240B29-F687-4f45-9708-019B960494DF}">
-                <a14:hiddenLine xmlns:a14="http://schemas.microsoft.com/office/drawing/2010/main" xmlns="" w="9525">
+                <a14:hiddenLine xmlns="" xmlns:a14="http://schemas.microsoft.com/office/drawing/2010/main" w="9525">
                   <a:solidFill>
                     <a:srgbClr val="000000"/>
                   </a:solidFill>
@@ -2941,7 +2941,7 @@
             </a:ln>
             <a:extLst>
               <a:ext uri="{91240B29-F687-4f45-9708-019B960494DF}">
-                <a14:hiddenLine xmlns:a14="http://schemas.microsoft.com/office/drawing/2010/main" xmlns="" w="9525">
+                <a14:hiddenLine xmlns="" xmlns:a14="http://schemas.microsoft.com/office/drawing/2010/main" w="9525">
                   <a:solidFill>
                     <a:srgbClr val="000000"/>
                   </a:solidFill>
@@ -3031,7 +3031,7 @@
             </a:ln>
             <a:extLst>
               <a:ext uri="{91240B29-F687-4f45-9708-019B960494DF}">
-                <a14:hiddenLine xmlns:a14="http://schemas.microsoft.com/office/drawing/2010/main" xmlns="" w="9525">
+                <a14:hiddenLine xmlns="" xmlns:a14="http://schemas.microsoft.com/office/drawing/2010/main" w="9525">
                   <a:solidFill>
                     <a:srgbClr val="000000"/>
                   </a:solidFill>
@@ -3093,7 +3093,7 @@
             </a:ln>
             <a:extLst>
               <a:ext uri="{91240B29-F687-4f45-9708-019B960494DF}">
-                <a14:hiddenLine xmlns:a14="http://schemas.microsoft.com/office/drawing/2010/main" xmlns="" w="9525">
+                <a14:hiddenLine xmlns="" xmlns:a14="http://schemas.microsoft.com/office/drawing/2010/main" w="9525">
                   <a:solidFill>
                     <a:srgbClr val="000000"/>
                   </a:solidFill>
@@ -3183,7 +3183,7 @@
             </a:ln>
             <a:extLst>
               <a:ext uri="{91240B29-F687-4f45-9708-019B960494DF}">
-                <a14:hiddenLine xmlns:a14="http://schemas.microsoft.com/office/drawing/2010/main" xmlns="" w="9525">
+                <a14:hiddenLine xmlns="" xmlns:a14="http://schemas.microsoft.com/office/drawing/2010/main" w="9525">
                   <a:solidFill>
                     <a:srgbClr val="000000"/>
                   </a:solidFill>
@@ -3217,7 +3217,7 @@
             </a:ln>
             <a:extLst>
               <a:ext uri="{91240B29-F687-4f45-9708-019B960494DF}">
-                <a14:hiddenLine xmlns:a14="http://schemas.microsoft.com/office/drawing/2010/main" xmlns="" w="9525">
+                <a14:hiddenLine xmlns="" xmlns:a14="http://schemas.microsoft.com/office/drawing/2010/main" w="9525">
                   <a:solidFill>
                     <a:srgbClr val="000000"/>
                   </a:solidFill>
@@ -3282,7 +3282,7 @@
             </a:ln>
             <a:extLst>
               <a:ext uri="{91240B29-F687-4f45-9708-019B960494DF}">
-                <a14:hiddenLine xmlns:a14="http://schemas.microsoft.com/office/drawing/2010/main" xmlns="" w="9525">
+                <a14:hiddenLine xmlns="" xmlns:a14="http://schemas.microsoft.com/office/drawing/2010/main" w="9525">
                   <a:solidFill>
                     <a:srgbClr val="000000"/>
                   </a:solidFill>
@@ -3372,7 +3372,7 @@
             </a:ln>
             <a:extLst>
               <a:ext uri="{91240B29-F687-4f45-9708-019B960494DF}">
-                <a14:hiddenLine xmlns:a14="http://schemas.microsoft.com/office/drawing/2010/main" xmlns="" w="9525">
+                <a14:hiddenLine xmlns="" xmlns:a14="http://schemas.microsoft.com/office/drawing/2010/main" w="9525">
                   <a:solidFill>
                     <a:srgbClr val="000000"/>
                   </a:solidFill>
@@ -3434,7 +3434,7 @@
             </a:ln>
             <a:extLst>
               <a:ext uri="{91240B29-F687-4f45-9708-019B960494DF}">
-                <a14:hiddenLine xmlns:a14="http://schemas.microsoft.com/office/drawing/2010/main" xmlns="" w="9525">
+                <a14:hiddenLine xmlns="" xmlns:a14="http://schemas.microsoft.com/office/drawing/2010/main" w="9525">
                   <a:solidFill>
                     <a:srgbClr val="000000"/>
                   </a:solidFill>
@@ -3524,7 +3524,7 @@
             </a:ln>
             <a:extLst>
               <a:ext uri="{91240B29-F687-4f45-9708-019B960494DF}">
-                <a14:hiddenLine xmlns:a14="http://schemas.microsoft.com/office/drawing/2010/main" xmlns="" w="9525">
+                <a14:hiddenLine xmlns="" xmlns:a14="http://schemas.microsoft.com/office/drawing/2010/main" w="9525">
                   <a:solidFill>
                     <a:srgbClr val="000000"/>
                   </a:solidFill>
@@ -3614,7 +3614,7 @@
             </a:ln>
             <a:extLst>
               <a:ext uri="{91240B29-F687-4f45-9708-019B960494DF}">
-                <a14:hiddenLine xmlns:a14="http://schemas.microsoft.com/office/drawing/2010/main" xmlns="" w="9525">
+                <a14:hiddenLine xmlns="" xmlns:a14="http://schemas.microsoft.com/office/drawing/2010/main" w="9525">
                   <a:solidFill>
                     <a:srgbClr val="000000"/>
                   </a:solidFill>
@@ -3679,7 +3679,7 @@
             </a:ln>
             <a:extLst>
               <a:ext uri="{91240B29-F687-4f45-9708-019B960494DF}">
-                <a14:hiddenLine xmlns:a14="http://schemas.microsoft.com/office/drawing/2010/main" xmlns="" w="9525">
+                <a14:hiddenLine xmlns="" xmlns:a14="http://schemas.microsoft.com/office/drawing/2010/main" w="9525">
                   <a:solidFill>
                     <a:srgbClr val="000000"/>
                   </a:solidFill>
@@ -3741,7 +3741,7 @@
             </a:ln>
             <a:extLst>
               <a:ext uri="{91240B29-F687-4f45-9708-019B960494DF}">
-                <a14:hiddenLine xmlns:a14="http://schemas.microsoft.com/office/drawing/2010/main" xmlns="" w="9525">
+                <a14:hiddenLine xmlns="" xmlns:a14="http://schemas.microsoft.com/office/drawing/2010/main" w="9525">
                   <a:solidFill>
                     <a:srgbClr val="000000"/>
                   </a:solidFill>
@@ -3831,7 +3831,7 @@
             </a:ln>
             <a:extLst>
               <a:ext uri="{91240B29-F687-4f45-9708-019B960494DF}">
-                <a14:hiddenLine xmlns:a14="http://schemas.microsoft.com/office/drawing/2010/main" xmlns="" w="9525">
+                <a14:hiddenLine xmlns="" xmlns:a14="http://schemas.microsoft.com/office/drawing/2010/main" w="9525">
                   <a:solidFill>
                     <a:srgbClr val="000000"/>
                   </a:solidFill>
@@ -3921,7 +3921,7 @@
             </a:ln>
             <a:extLst>
               <a:ext uri="{91240B29-F687-4f45-9708-019B960494DF}">
-                <a14:hiddenLine xmlns:a14="http://schemas.microsoft.com/office/drawing/2010/main" xmlns="" w="9525">
+                <a14:hiddenLine xmlns="" xmlns:a14="http://schemas.microsoft.com/office/drawing/2010/main" w="9525">
                   <a:solidFill>
                     <a:srgbClr val="000000"/>
                   </a:solidFill>
@@ -3983,7 +3983,7 @@
             </a:ln>
             <a:extLst>
               <a:ext uri="{91240B29-F687-4f45-9708-019B960494DF}">
-                <a14:hiddenLine xmlns:a14="http://schemas.microsoft.com/office/drawing/2010/main" xmlns="" w="9525">
+                <a14:hiddenLine xmlns="" xmlns:a14="http://schemas.microsoft.com/office/drawing/2010/main" w="9525">
                   <a:solidFill>
                     <a:srgbClr val="000000"/>
                   </a:solidFill>
@@ -4103,7 +4103,7 @@
             </a:ln>
             <a:extLst>
               <a:ext uri="{91240B29-F687-4f45-9708-019B960494DF}">
-                <a14:hiddenLine xmlns:a14="http://schemas.microsoft.com/office/drawing/2010/main" xmlns="" w="9525">
+                <a14:hiddenLine xmlns="" xmlns:a14="http://schemas.microsoft.com/office/drawing/2010/main" w="9525">
                   <a:solidFill>
                     <a:srgbClr val="000000"/>
                   </a:solidFill>
@@ -4171,7 +4171,7 @@
             </a:ln>
             <a:extLst>
               <a:ext uri="{91240B29-F687-4f45-9708-019B960494DF}">
-                <a14:hiddenLine xmlns:a14="http://schemas.microsoft.com/office/drawing/2010/main" xmlns="" w="9525">
+                <a14:hiddenLine xmlns="" xmlns:a14="http://schemas.microsoft.com/office/drawing/2010/main" w="9525">
                   <a:solidFill>
                     <a:srgbClr val="000000"/>
                   </a:solidFill>
@@ -4261,7 +4261,7 @@
             </a:ln>
             <a:extLst>
               <a:ext uri="{91240B29-F687-4f45-9708-019B960494DF}">
-                <a14:hiddenLine xmlns:a14="http://schemas.microsoft.com/office/drawing/2010/main" xmlns="" w="9525">
+                <a14:hiddenLine xmlns="" xmlns:a14="http://schemas.microsoft.com/office/drawing/2010/main" w="9525">
                   <a:solidFill>
                     <a:srgbClr val="000000"/>
                   </a:solidFill>
@@ -4577,10 +4577,9 @@
               <a:buNone/>
             </a:pPr>
             <a:r>
-              <a:rPr lang="en-US"/>
+              <a:rPr lang="en-US" dirty="0"/>
               <a:t>Click icon to add picture</a:t>
             </a:r>
-            <a:endParaRPr lang="en-US" dirty="0"/>
           </a:p>
         </p:txBody>
       </p:sp>
@@ -6338,10 +6337,9 @@
               <a:buNone/>
             </a:pPr>
             <a:r>
-              <a:rPr lang="en-US"/>
+              <a:rPr lang="en-US" dirty="0"/>
               <a:t>Click icon to add picture</a:t>
             </a:r>
-            <a:endParaRPr lang="en-US" dirty="0"/>
           </a:p>
         </p:txBody>
       </p:sp>
@@ -6537,10 +6535,9 @@
               <a:buNone/>
             </a:pPr>
             <a:r>
-              <a:rPr lang="en-US"/>
+              <a:rPr lang="en-US" dirty="0"/>
               <a:t>Click icon to add picture</a:t>
             </a:r>
-            <a:endParaRPr lang="en-US" dirty="0"/>
           </a:p>
         </p:txBody>
       </p:sp>
@@ -6736,10 +6733,9 @@
               <a:buNone/>
             </a:pPr>
             <a:r>
-              <a:rPr lang="en-US"/>
+              <a:rPr lang="en-US" dirty="0"/>
               <a:t>Click icon to add picture</a:t>
             </a:r>
-            <a:endParaRPr lang="en-US" dirty="0"/>
           </a:p>
         </p:txBody>
       </p:sp>
@@ -8863,10 +8859,9 @@
           </a:lstStyle>
           <a:p>
             <a:r>
-              <a:rPr lang="en-US"/>
+              <a:rPr lang="en-US" dirty="0"/>
               <a:t>Click icon to add picture</a:t>
             </a:r>
-            <a:endParaRPr lang="en-US" dirty="0"/>
           </a:p>
         </p:txBody>
       </p:sp>
@@ -9075,7 +9070,7 @@
           <a:noFill/>
           <a:extLst>
             <a:ext uri="{909E8E84-426E-40dd-AFC4-6F175D3DCCD1}">
-              <a14:hiddenFill xmlns:a14="http://schemas.microsoft.com/office/drawing/2010/main" xmlns="">
+              <a14:hiddenFill xmlns="" xmlns:a14="http://schemas.microsoft.com/office/drawing/2010/main">
                 <a:solidFill>
                   <a:srgbClr val="FFFFFF"/>
                 </a:solidFill>
@@ -9149,7 +9144,7 @@
               </a:ln>
               <a:extLst>
                 <a:ext uri="{91240B29-F687-4f45-9708-019B960494DF}">
-                  <a14:hiddenLine xmlns:a14="http://schemas.microsoft.com/office/drawing/2010/main" xmlns="" w="9525">
+                  <a14:hiddenLine xmlns="" xmlns:a14="http://schemas.microsoft.com/office/drawing/2010/main" w="9525">
                     <a:solidFill>
                       <a:srgbClr val="000000"/>
                     </a:solidFill>
@@ -9239,7 +9234,7 @@
               </a:ln>
               <a:extLst>
                 <a:ext uri="{91240B29-F687-4f45-9708-019B960494DF}">
-                  <a14:hiddenLine xmlns:a14="http://schemas.microsoft.com/office/drawing/2010/main" xmlns="" w="9525">
+                  <a14:hiddenLine xmlns="" xmlns:a14="http://schemas.microsoft.com/office/drawing/2010/main" w="9525">
                     <a:solidFill>
                       <a:srgbClr val="000000"/>
                     </a:solidFill>
@@ -9329,7 +9324,7 @@
               </a:ln>
               <a:extLst>
                 <a:ext uri="{91240B29-F687-4f45-9708-019B960494DF}">
-                  <a14:hiddenLine xmlns:a14="http://schemas.microsoft.com/office/drawing/2010/main" xmlns="" w="9525">
+                  <a14:hiddenLine xmlns="" xmlns:a14="http://schemas.microsoft.com/office/drawing/2010/main" w="9525">
                     <a:solidFill>
                       <a:srgbClr val="000000"/>
                     </a:solidFill>
@@ -9391,7 +9386,7 @@
               </a:ln>
               <a:extLst>
                 <a:ext uri="{91240B29-F687-4f45-9708-019B960494DF}">
-                  <a14:hiddenLine xmlns:a14="http://schemas.microsoft.com/office/drawing/2010/main" xmlns="" w="9525">
+                  <a14:hiddenLine xmlns="" xmlns:a14="http://schemas.microsoft.com/office/drawing/2010/main" w="9525">
                     <a:solidFill>
                       <a:srgbClr val="000000"/>
                     </a:solidFill>
@@ -9481,7 +9476,7 @@
               </a:ln>
               <a:extLst>
                 <a:ext uri="{91240B29-F687-4f45-9708-019B960494DF}">
-                  <a14:hiddenLine xmlns:a14="http://schemas.microsoft.com/office/drawing/2010/main" xmlns="" w="9525">
+                  <a14:hiddenLine xmlns="" xmlns:a14="http://schemas.microsoft.com/office/drawing/2010/main" w="9525">
                     <a:solidFill>
                       <a:srgbClr val="000000"/>
                     </a:solidFill>
@@ -9543,7 +9538,7 @@
               </a:ln>
               <a:extLst>
                 <a:ext uri="{91240B29-F687-4f45-9708-019B960494DF}">
-                  <a14:hiddenLine xmlns:a14="http://schemas.microsoft.com/office/drawing/2010/main" xmlns="" w="9525">
+                  <a14:hiddenLine xmlns="" xmlns:a14="http://schemas.microsoft.com/office/drawing/2010/main" w="9525">
                     <a:solidFill>
                       <a:srgbClr val="000000"/>
                     </a:solidFill>
@@ -9605,7 +9600,7 @@
               </a:ln>
               <a:extLst>
                 <a:ext uri="{91240B29-F687-4f45-9708-019B960494DF}">
-                  <a14:hiddenLine xmlns:a14="http://schemas.microsoft.com/office/drawing/2010/main" xmlns="" w="9525">
+                  <a14:hiddenLine xmlns="" xmlns:a14="http://schemas.microsoft.com/office/drawing/2010/main" w="9525">
                     <a:solidFill>
                       <a:srgbClr val="000000"/>
                     </a:solidFill>
@@ -9695,7 +9690,7 @@
               </a:ln>
               <a:extLst>
                 <a:ext uri="{91240B29-F687-4f45-9708-019B960494DF}">
-                  <a14:hiddenLine xmlns:a14="http://schemas.microsoft.com/office/drawing/2010/main" xmlns="" w="9525">
+                  <a14:hiddenLine xmlns="" xmlns:a14="http://schemas.microsoft.com/office/drawing/2010/main" w="9525">
                     <a:solidFill>
                       <a:srgbClr val="000000"/>
                     </a:solidFill>
@@ -9785,7 +9780,7 @@
               </a:ln>
               <a:extLst>
                 <a:ext uri="{91240B29-F687-4f45-9708-019B960494DF}">
-                  <a14:hiddenLine xmlns:a14="http://schemas.microsoft.com/office/drawing/2010/main" xmlns="" w="9525">
+                  <a14:hiddenLine xmlns="" xmlns:a14="http://schemas.microsoft.com/office/drawing/2010/main" w="9525">
                     <a:solidFill>
                       <a:srgbClr val="000000"/>
                     </a:solidFill>
@@ -9847,7 +9842,7 @@
               </a:ln>
               <a:extLst>
                 <a:ext uri="{91240B29-F687-4f45-9708-019B960494DF}">
-                  <a14:hiddenLine xmlns:a14="http://schemas.microsoft.com/office/drawing/2010/main" xmlns="" w="9525">
+                  <a14:hiddenLine xmlns="" xmlns:a14="http://schemas.microsoft.com/office/drawing/2010/main" w="9525">
                     <a:solidFill>
                       <a:srgbClr val="000000"/>
                     </a:solidFill>
@@ -9957,7 +9952,7 @@
               </a:ln>
               <a:extLst>
                 <a:ext uri="{91240B29-F687-4f45-9708-019B960494DF}">
-                  <a14:hiddenLine xmlns:a14="http://schemas.microsoft.com/office/drawing/2010/main" xmlns="" w="9525">
+                  <a14:hiddenLine xmlns="" xmlns:a14="http://schemas.microsoft.com/office/drawing/2010/main" w="9525">
                     <a:solidFill>
                       <a:srgbClr val="000000"/>
                     </a:solidFill>
@@ -10041,7 +10036,7 @@
               </a:ln>
               <a:extLst>
                 <a:ext uri="{91240B29-F687-4f45-9708-019B960494DF}">
-                  <a14:hiddenLine xmlns:a14="http://schemas.microsoft.com/office/drawing/2010/main" xmlns="" w="9525">
+                  <a14:hiddenLine xmlns="" xmlns:a14="http://schemas.microsoft.com/office/drawing/2010/main" w="9525">
                     <a:solidFill>
                       <a:srgbClr val="000000"/>
                     </a:solidFill>
@@ -10103,7 +10098,7 @@
               </a:ln>
               <a:extLst>
                 <a:ext uri="{91240B29-F687-4f45-9708-019B960494DF}">
-                  <a14:hiddenLine xmlns:a14="http://schemas.microsoft.com/office/drawing/2010/main" xmlns="" w="9525">
+                  <a14:hiddenLine xmlns="" xmlns:a14="http://schemas.microsoft.com/office/drawing/2010/main" w="9525">
                     <a:solidFill>
                       <a:srgbClr val="000000"/>
                     </a:solidFill>
@@ -10165,7 +10160,7 @@
               </a:ln>
               <a:extLst>
                 <a:ext uri="{91240B29-F687-4f45-9708-019B960494DF}">
-                  <a14:hiddenLine xmlns:a14="http://schemas.microsoft.com/office/drawing/2010/main" xmlns="" w="9525">
+                  <a14:hiddenLine xmlns="" xmlns:a14="http://schemas.microsoft.com/office/drawing/2010/main" w="9525">
                     <a:solidFill>
                       <a:srgbClr val="000000"/>
                     </a:solidFill>
@@ -10255,7 +10250,7 @@
               </a:ln>
               <a:extLst>
                 <a:ext uri="{91240B29-F687-4f45-9708-019B960494DF}">
-                  <a14:hiddenLine xmlns:a14="http://schemas.microsoft.com/office/drawing/2010/main" xmlns="" w="9525">
+                  <a14:hiddenLine xmlns="" xmlns:a14="http://schemas.microsoft.com/office/drawing/2010/main" w="9525">
                     <a:solidFill>
                       <a:srgbClr val="000000"/>
                     </a:solidFill>
@@ -10289,7 +10284,7 @@
               </a:ln>
               <a:extLst>
                 <a:ext uri="{91240B29-F687-4f45-9708-019B960494DF}">
-                  <a14:hiddenLine xmlns:a14="http://schemas.microsoft.com/office/drawing/2010/main" xmlns="" w="9525">
+                  <a14:hiddenLine xmlns="" xmlns:a14="http://schemas.microsoft.com/office/drawing/2010/main" w="9525">
                     <a:solidFill>
                       <a:srgbClr val="000000"/>
                     </a:solidFill>
@@ -10354,7 +10349,7 @@
               </a:ln>
               <a:extLst>
                 <a:ext uri="{91240B29-F687-4f45-9708-019B960494DF}">
-                  <a14:hiddenLine xmlns:a14="http://schemas.microsoft.com/office/drawing/2010/main" xmlns="" w="9525">
+                  <a14:hiddenLine xmlns="" xmlns:a14="http://schemas.microsoft.com/office/drawing/2010/main" w="9525">
                     <a:solidFill>
                       <a:srgbClr val="000000"/>
                     </a:solidFill>
@@ -10444,7 +10439,7 @@
               </a:ln>
               <a:extLst>
                 <a:ext uri="{91240B29-F687-4f45-9708-019B960494DF}">
-                  <a14:hiddenLine xmlns:a14="http://schemas.microsoft.com/office/drawing/2010/main" xmlns="" w="9525">
+                  <a14:hiddenLine xmlns="" xmlns:a14="http://schemas.microsoft.com/office/drawing/2010/main" w="9525">
                     <a:solidFill>
                       <a:srgbClr val="000000"/>
                     </a:solidFill>
@@ -10506,7 +10501,7 @@
               </a:ln>
               <a:extLst>
                 <a:ext uri="{91240B29-F687-4f45-9708-019B960494DF}">
-                  <a14:hiddenLine xmlns:a14="http://schemas.microsoft.com/office/drawing/2010/main" xmlns="" w="9525">
+                  <a14:hiddenLine xmlns="" xmlns:a14="http://schemas.microsoft.com/office/drawing/2010/main" w="9525">
                     <a:solidFill>
                       <a:srgbClr val="000000"/>
                     </a:solidFill>
@@ -10596,7 +10591,7 @@
               </a:ln>
               <a:extLst>
                 <a:ext uri="{91240B29-F687-4f45-9708-019B960494DF}">
-                  <a14:hiddenLine xmlns:a14="http://schemas.microsoft.com/office/drawing/2010/main" xmlns="" w="9525">
+                  <a14:hiddenLine xmlns="" xmlns:a14="http://schemas.microsoft.com/office/drawing/2010/main" w="9525">
                     <a:solidFill>
                       <a:srgbClr val="000000"/>
                     </a:solidFill>
@@ -10661,7 +10656,7 @@
               </a:ln>
               <a:extLst>
                 <a:ext uri="{91240B29-F687-4f45-9708-019B960494DF}">
-                  <a14:hiddenLine xmlns:a14="http://schemas.microsoft.com/office/drawing/2010/main" xmlns="" w="9525">
+                  <a14:hiddenLine xmlns="" xmlns:a14="http://schemas.microsoft.com/office/drawing/2010/main" w="9525">
                     <a:solidFill>
                       <a:srgbClr val="000000"/>
                     </a:solidFill>
@@ -10723,7 +10718,7 @@
               </a:ln>
               <a:extLst>
                 <a:ext uri="{91240B29-F687-4f45-9708-019B960494DF}">
-                  <a14:hiddenLine xmlns:a14="http://schemas.microsoft.com/office/drawing/2010/main" xmlns="" w="9525">
+                  <a14:hiddenLine xmlns="" xmlns:a14="http://schemas.microsoft.com/office/drawing/2010/main" w="9525">
                     <a:solidFill>
                       <a:srgbClr val="000000"/>
                     </a:solidFill>
@@ -10813,7 +10808,7 @@
               </a:ln>
               <a:extLst>
                 <a:ext uri="{91240B29-F687-4f45-9708-019B960494DF}">
-                  <a14:hiddenLine xmlns:a14="http://schemas.microsoft.com/office/drawing/2010/main" xmlns="" w="9525">
+                  <a14:hiddenLine xmlns="" xmlns:a14="http://schemas.microsoft.com/office/drawing/2010/main" w="9525">
                     <a:solidFill>
                       <a:srgbClr val="000000"/>
                     </a:solidFill>
@@ -10903,7 +10898,7 @@
               </a:ln>
               <a:extLst>
                 <a:ext uri="{91240B29-F687-4f45-9708-019B960494DF}">
-                  <a14:hiddenLine xmlns:a14="http://schemas.microsoft.com/office/drawing/2010/main" xmlns="" w="9525">
+                  <a14:hiddenLine xmlns="" xmlns:a14="http://schemas.microsoft.com/office/drawing/2010/main" w="9525">
                     <a:solidFill>
                       <a:srgbClr val="000000"/>
                     </a:solidFill>
@@ -10968,7 +10963,7 @@
               </a:ln>
               <a:extLst>
                 <a:ext uri="{91240B29-F687-4f45-9708-019B960494DF}">
-                  <a14:hiddenLine xmlns:a14="http://schemas.microsoft.com/office/drawing/2010/main" xmlns="" w="9525">
+                  <a14:hiddenLine xmlns="" xmlns:a14="http://schemas.microsoft.com/office/drawing/2010/main" w="9525">
                     <a:solidFill>
                       <a:srgbClr val="000000"/>
                     </a:solidFill>
@@ -11088,7 +11083,7 @@
               </a:ln>
               <a:extLst>
                 <a:ext uri="{91240B29-F687-4f45-9708-019B960494DF}">
-                  <a14:hiddenLine xmlns:a14="http://schemas.microsoft.com/office/drawing/2010/main" xmlns="" w="9525">
+                  <a14:hiddenLine xmlns="" xmlns:a14="http://schemas.microsoft.com/office/drawing/2010/main" w="9525">
                     <a:solidFill>
                       <a:srgbClr val="000000"/>
                     </a:solidFill>
@@ -11169,7 +11164,7 @@
               </a:ln>
               <a:extLst>
                 <a:ext uri="{91240B29-F687-4f45-9708-019B960494DF}">
-                  <a14:hiddenLine xmlns:a14="http://schemas.microsoft.com/office/drawing/2010/main" xmlns="" w="9525">
+                  <a14:hiddenLine xmlns="" xmlns:a14="http://schemas.microsoft.com/office/drawing/2010/main" w="9525">
                     <a:solidFill>
                       <a:srgbClr val="000000"/>
                     </a:solidFill>
@@ -11284,7 +11279,7 @@
               </a:ln>
               <a:extLst>
                 <a:ext uri="{91240B29-F687-4f45-9708-019B960494DF}">
-                  <a14:hiddenLine xmlns:a14="http://schemas.microsoft.com/office/drawing/2010/main" xmlns="" w="9525">
+                  <a14:hiddenLine xmlns="" xmlns:a14="http://schemas.microsoft.com/office/drawing/2010/main" w="9525">
                     <a:solidFill>
                       <a:srgbClr val="000000"/>
                     </a:solidFill>
@@ -11374,7 +11369,7 @@
               </a:ln>
               <a:extLst>
                 <a:ext uri="{91240B29-F687-4f45-9708-019B960494DF}">
-                  <a14:hiddenLine xmlns:a14="http://schemas.microsoft.com/office/drawing/2010/main" xmlns="" w="9525">
+                  <a14:hiddenLine xmlns="" xmlns:a14="http://schemas.microsoft.com/office/drawing/2010/main" w="9525">
                     <a:solidFill>
                       <a:srgbClr val="000000"/>
                     </a:solidFill>
@@ -11439,7 +11434,7 @@
               </a:ln>
               <a:extLst>
                 <a:ext uri="{91240B29-F687-4f45-9708-019B960494DF}">
-                  <a14:hiddenLine xmlns:a14="http://schemas.microsoft.com/office/drawing/2010/main" xmlns="" w="9525">
+                  <a14:hiddenLine xmlns="" xmlns:a14="http://schemas.microsoft.com/office/drawing/2010/main" w="9525">
                     <a:solidFill>
                       <a:srgbClr val="000000"/>
                     </a:solidFill>
@@ -11529,7 +11524,7 @@
               </a:ln>
               <a:extLst>
                 <a:ext uri="{91240B29-F687-4f45-9708-019B960494DF}">
-                  <a14:hiddenLine xmlns:a14="http://schemas.microsoft.com/office/drawing/2010/main" xmlns="" w="9525">
+                  <a14:hiddenLine xmlns="" xmlns:a14="http://schemas.microsoft.com/office/drawing/2010/main" w="9525">
                     <a:solidFill>
                       <a:srgbClr val="000000"/>
                     </a:solidFill>
@@ -11597,7 +11592,7 @@
               </a:ln>
               <a:extLst>
                 <a:ext uri="{91240B29-F687-4f45-9708-019B960494DF}">
-                  <a14:hiddenLine xmlns:a14="http://schemas.microsoft.com/office/drawing/2010/main" xmlns="" w="9525">
+                  <a14:hiddenLine xmlns="" xmlns:a14="http://schemas.microsoft.com/office/drawing/2010/main" w="9525">
                     <a:solidFill>
                       <a:srgbClr val="000000"/>
                     </a:solidFill>
@@ -11687,7 +11682,7 @@
               </a:ln>
               <a:extLst>
                 <a:ext uri="{91240B29-F687-4f45-9708-019B960494DF}">
-                  <a14:hiddenLine xmlns:a14="http://schemas.microsoft.com/office/drawing/2010/main" xmlns="" w="9525">
+                  <a14:hiddenLine xmlns="" xmlns:a14="http://schemas.microsoft.com/office/drawing/2010/main" w="9525">
                     <a:solidFill>
                       <a:srgbClr val="000000"/>
                     </a:solidFill>
@@ -11755,7 +11750,7 @@
               </a:ln>
               <a:extLst>
                 <a:ext uri="{91240B29-F687-4f45-9708-019B960494DF}">
-                  <a14:hiddenLine xmlns:a14="http://schemas.microsoft.com/office/drawing/2010/main" xmlns="" w="9525">
+                  <a14:hiddenLine xmlns="" xmlns:a14="http://schemas.microsoft.com/office/drawing/2010/main" w="9525">
                     <a:solidFill>
                       <a:srgbClr val="000000"/>
                     </a:solidFill>
@@ -11845,7 +11840,7 @@
               </a:ln>
               <a:extLst>
                 <a:ext uri="{91240B29-F687-4f45-9708-019B960494DF}">
-                  <a14:hiddenLine xmlns:a14="http://schemas.microsoft.com/office/drawing/2010/main" xmlns="" w="9525">
+                  <a14:hiddenLine xmlns="" xmlns:a14="http://schemas.microsoft.com/office/drawing/2010/main" w="9525">
                     <a:solidFill>
                       <a:srgbClr val="000000"/>
                     </a:solidFill>
@@ -11879,7 +11874,7 @@
               </a:ln>
               <a:extLst>
                 <a:ext uri="{91240B29-F687-4f45-9708-019B960494DF}">
-                  <a14:hiddenLine xmlns:a14="http://schemas.microsoft.com/office/drawing/2010/main" xmlns="" w="9525">
+                  <a14:hiddenLine xmlns="" xmlns:a14="http://schemas.microsoft.com/office/drawing/2010/main" w="9525">
                     <a:solidFill>
                       <a:srgbClr val="000000"/>
                     </a:solidFill>
@@ -12568,6 +12563,14 @@
   <p:clrMapOvr>
     <a:masterClrMapping/>
   </p:clrMapOvr>
+  <mc:AlternateContent xmlns:mc="http://schemas.openxmlformats.org/markup-compatibility/2006">
+    <mc:Choice xmlns:p14="http://schemas.microsoft.com/office/powerpoint/2010/main" Requires="p14">
+      <p:transition spd="slow" p14:dur="2000" advTm="20958"/>
+    </mc:Choice>
+    <mc:Fallback>
+      <p:transition spd="slow" advTm="20958"/>
+    </mc:Fallback>
+  </mc:AlternateContent>
 </p:sld>
 </file>
 
@@ -12652,37 +12655,37 @@
           <a:lstStyle/>
           <a:p>
             <a:r>
-              <a:rPr lang="en-US" sz="2600" dirty="0"/>
-              <a:t>Cloud based CRM</a:t>
+              <a:rPr lang="en-US" sz="2800" dirty="0"/>
+              <a:t>Cloud based CRM </a:t>
             </a:r>
           </a:p>
           <a:p>
             <a:r>
-              <a:rPr lang="en-US" sz="2600" dirty="0"/>
+              <a:rPr lang="en-US" sz="2800" dirty="0"/>
               <a:t>Multitenant</a:t>
             </a:r>
           </a:p>
           <a:p>
             <a:r>
-              <a:rPr lang="en-US" sz="2600" dirty="0"/>
+              <a:rPr lang="en-US" sz="2800" dirty="0"/>
               <a:t>Hands Free Maintenance &amp; Security</a:t>
             </a:r>
           </a:p>
           <a:p>
             <a:r>
-              <a:rPr lang="en-US" sz="2600" dirty="0"/>
+              <a:rPr lang="en-US" sz="2800" dirty="0"/>
               <a:t>Scalable</a:t>
             </a:r>
           </a:p>
           <a:p>
             <a:r>
-              <a:rPr lang="en-US" sz="2600" dirty="0"/>
+              <a:rPr lang="en-US" sz="2800" dirty="0"/>
               <a:t>SaaS &amp; PaaS</a:t>
             </a:r>
           </a:p>
           <a:p>
             <a:r>
-              <a:rPr lang="en-US" sz="2600" dirty="0"/>
+              <a:rPr lang="en-US" sz="2800" dirty="0"/>
               <a:t>Customization</a:t>
             </a:r>
           </a:p>
@@ -12734,6 +12737,14 @@
   <p:clrMapOvr>
     <a:masterClrMapping/>
   </p:clrMapOvr>
+  <mc:AlternateContent xmlns:mc="http://schemas.openxmlformats.org/markup-compatibility/2006">
+    <mc:Choice xmlns:p14="http://schemas.microsoft.com/office/powerpoint/2010/main" Requires="p14">
+      <p:transition spd="slow" p14:dur="2000" advTm="63777"/>
+    </mc:Choice>
+    <mc:Fallback>
+      <p:transition spd="slow" advTm="63777"/>
+    </mc:Fallback>
+  </mc:AlternateContent>
 </p:sld>
 </file>
 
@@ -12777,15 +12788,7 @@
           <a:p>
             <a:r>
               <a:rPr lang="en-US" dirty="0"/>
-              <a:t>Webpage </a:t>
-            </a:r>
-            <a:r>
-              <a:rPr lang="en-US" dirty="0" err="1"/>
-              <a:t>tO</a:t>
-            </a:r>
-            <a:r>
-              <a:rPr lang="en-US" dirty="0"/>
-              <a:t> SalesForce</a:t>
+              <a:t>Webpage tO SalesForce</a:t>
             </a:r>
           </a:p>
         </p:txBody>
@@ -12934,6 +12937,14 @@
   <p:clrMapOvr>
     <a:masterClrMapping/>
   </p:clrMapOvr>
+  <mc:AlternateContent xmlns:mc="http://schemas.openxmlformats.org/markup-compatibility/2006">
+    <mc:Choice xmlns:p14="http://schemas.microsoft.com/office/powerpoint/2010/main" Requires="p14">
+      <p:transition spd="slow" p14:dur="2000" advTm="10359"/>
+    </mc:Choice>
+    <mc:Fallback>
+      <p:transition spd="slow" advTm="10359"/>
+    </mc:Fallback>
+  </mc:AlternateContent>
 </p:sld>
 </file>
 
@@ -13027,7 +13038,7 @@
             </a:pPr>
             <a:r>
               <a:rPr lang="en-US" dirty="0"/>
-              <a:t>Mass Export &amp; Import</a:t>
+              <a:t>Mass Data Import &amp; Export</a:t>
             </a:r>
           </a:p>
           <a:p>
@@ -13119,7 +13130,7 @@
             </a:pPr>
             <a:r>
               <a:rPr lang="en-US" dirty="0"/>
-              <a:t>Approval process</a:t>
+              <a:t>Chatter</a:t>
             </a:r>
           </a:p>
           <a:p>
@@ -13170,6 +13181,14 @@
   <p:clrMapOvr>
     <a:masterClrMapping/>
   </p:clrMapOvr>
+  <mc:AlternateContent xmlns:mc="http://schemas.openxmlformats.org/markup-compatibility/2006">
+    <mc:Choice xmlns:p14="http://schemas.microsoft.com/office/powerpoint/2010/main" Requires="p14">
+      <p:transition spd="slow" p14:dur="2000" advTm="74230"/>
+    </mc:Choice>
+    <mc:Fallback>
+      <p:transition spd="slow" advTm="74230"/>
+    </mc:Fallback>
+  </mc:AlternateContent>
 </p:sld>
 </file>
 
@@ -13263,6 +13282,14 @@
   <p:clrMapOvr>
     <a:masterClrMapping/>
   </p:clrMapOvr>
+  <mc:AlternateContent xmlns:mc="http://schemas.openxmlformats.org/markup-compatibility/2006">
+    <mc:Choice xmlns:p14="http://schemas.microsoft.com/office/powerpoint/2010/main" Requires="p14">
+      <p:transition spd="slow" p14:dur="2000" advTm="27967"/>
+    </mc:Choice>
+    <mc:Fallback>
+      <p:transition spd="slow" advTm="27967"/>
+    </mc:Fallback>
+  </mc:AlternateContent>
 </p:sld>
 </file>
 
@@ -13355,6 +13382,14 @@
   <p:clrMapOvr>
     <a:masterClrMapping/>
   </p:clrMapOvr>
+  <mc:AlternateContent xmlns:mc="http://schemas.openxmlformats.org/markup-compatibility/2006">
+    <mc:Choice xmlns:p14="http://schemas.microsoft.com/office/powerpoint/2010/main" Requires="p14">
+      <p:transition spd="slow" p14:dur="2000" advTm="12651"/>
+    </mc:Choice>
+    <mc:Fallback>
+      <p:transition spd="slow" advTm="12651"/>
+    </mc:Fallback>
+  </mc:AlternateContent>
 </p:sld>
 </file>
 
@@ -13513,6 +13548,14 @@
   <p:clrMapOvr>
     <a:masterClrMapping/>
   </p:clrMapOvr>
+  <mc:AlternateContent xmlns:mc="http://schemas.openxmlformats.org/markup-compatibility/2006">
+    <mc:Choice xmlns:p14="http://schemas.microsoft.com/office/powerpoint/2010/main" Requires="p14">
+      <p:transition spd="slow" p14:dur="2000" advTm="19507"/>
+    </mc:Choice>
+    <mc:Fallback>
+      <p:transition spd="slow" advTm="19507"/>
+    </mc:Fallback>
+  </mc:AlternateContent>
 </p:sld>
 </file>
 
@@ -13606,6 +13649,14 @@
   <p:clrMapOvr>
     <a:masterClrMapping/>
   </p:clrMapOvr>
+  <mc:AlternateContent xmlns:mc="http://schemas.openxmlformats.org/markup-compatibility/2006">
+    <mc:Choice xmlns:p14="http://schemas.microsoft.com/office/powerpoint/2010/main" Requires="p14">
+      <p:transition spd="slow" p14:dur="2000" advTm="3430"/>
+    </mc:Choice>
+    <mc:Fallback>
+      <p:transition spd="slow" advTm="3430"/>
+    </mc:Fallback>
+  </mc:AlternateContent>
 </p:sld>
 </file>
 

--- a/Project 0 Presentation - IE.pptx
+++ b/Project 0 Presentation - IE.pptx
@@ -176,7 +176,7 @@
           <a:noFill/>
           <a:extLst>
             <a:ext uri="{909E8E84-426E-40dd-AFC4-6F175D3DCCD1}">
-              <a14:hiddenFill xmlns="" xmlns:a14="http://schemas.microsoft.com/office/drawing/2010/main">
+              <a14:hiddenFill xmlns:a14="http://schemas.microsoft.com/office/drawing/2010/main" xmlns="">
                 <a:solidFill>
                   <a:srgbClr val="FFFFFF"/>
                 </a:solidFill>
@@ -235,7 +235,7 @@
             </a:ln>
             <a:extLst>
               <a:ext uri="{91240B29-F687-4f45-9708-019B960494DF}">
-                <a14:hiddenLine xmlns="" xmlns:a14="http://schemas.microsoft.com/office/drawing/2010/main" w="9525">
+                <a14:hiddenLine xmlns:a14="http://schemas.microsoft.com/office/drawing/2010/main" xmlns="" w="9525">
                   <a:solidFill>
                     <a:srgbClr val="000000"/>
                   </a:solidFill>
@@ -325,7 +325,7 @@
             </a:ln>
             <a:extLst>
               <a:ext uri="{91240B29-F687-4f45-9708-019B960494DF}">
-                <a14:hiddenLine xmlns="" xmlns:a14="http://schemas.microsoft.com/office/drawing/2010/main" w="9525">
+                <a14:hiddenLine xmlns:a14="http://schemas.microsoft.com/office/drawing/2010/main" xmlns="" w="9525">
                   <a:solidFill>
                     <a:srgbClr val="000000"/>
                   </a:solidFill>
@@ -415,7 +415,7 @@
             </a:ln>
             <a:extLst>
               <a:ext uri="{91240B29-F687-4f45-9708-019B960494DF}">
-                <a14:hiddenLine xmlns="" xmlns:a14="http://schemas.microsoft.com/office/drawing/2010/main" w="9525">
+                <a14:hiddenLine xmlns:a14="http://schemas.microsoft.com/office/drawing/2010/main" xmlns="" w="9525">
                   <a:solidFill>
                     <a:srgbClr val="000000"/>
                   </a:solidFill>
@@ -449,7 +449,7 @@
             </a:ln>
             <a:extLst>
               <a:ext uri="{91240B29-F687-4f45-9708-019B960494DF}">
-                <a14:hiddenLine xmlns="" xmlns:a14="http://schemas.microsoft.com/office/drawing/2010/main" w="9525">
+                <a14:hiddenLine xmlns:a14="http://schemas.microsoft.com/office/drawing/2010/main" xmlns="" w="9525">
                   <a:solidFill>
                     <a:srgbClr val="000000"/>
                   </a:solidFill>
@@ -539,7 +539,7 @@
             </a:ln>
             <a:extLst>
               <a:ext uri="{91240B29-F687-4f45-9708-019B960494DF}">
-                <a14:hiddenLine xmlns="" xmlns:a14="http://schemas.microsoft.com/office/drawing/2010/main" w="9525">
+                <a14:hiddenLine xmlns:a14="http://schemas.microsoft.com/office/drawing/2010/main" xmlns="" w="9525">
                   <a:solidFill>
                     <a:srgbClr val="000000"/>
                   </a:solidFill>
@@ -601,7 +601,7 @@
             </a:ln>
             <a:extLst>
               <a:ext uri="{91240B29-F687-4f45-9708-019B960494DF}">
-                <a14:hiddenLine xmlns="" xmlns:a14="http://schemas.microsoft.com/office/drawing/2010/main" w="9525">
+                <a14:hiddenLine xmlns:a14="http://schemas.microsoft.com/office/drawing/2010/main" xmlns="" w="9525">
                   <a:solidFill>
                     <a:srgbClr val="000000"/>
                   </a:solidFill>
@@ -663,7 +663,7 @@
             </a:ln>
             <a:extLst>
               <a:ext uri="{91240B29-F687-4f45-9708-019B960494DF}">
-                <a14:hiddenLine xmlns="" xmlns:a14="http://schemas.microsoft.com/office/drawing/2010/main" w="9525">
+                <a14:hiddenLine xmlns:a14="http://schemas.microsoft.com/office/drawing/2010/main" xmlns="" w="9525">
                   <a:solidFill>
                     <a:srgbClr val="000000"/>
                   </a:solidFill>
@@ -753,7 +753,7 @@
             </a:ln>
             <a:extLst>
               <a:ext uri="{91240B29-F687-4f45-9708-019B960494DF}">
-                <a14:hiddenLine xmlns="" xmlns:a14="http://schemas.microsoft.com/office/drawing/2010/main" w="9525">
+                <a14:hiddenLine xmlns:a14="http://schemas.microsoft.com/office/drawing/2010/main" xmlns="" w="9525">
                   <a:solidFill>
                     <a:srgbClr val="000000"/>
                   </a:solidFill>
@@ -815,7 +815,7 @@
             </a:ln>
             <a:extLst>
               <a:ext uri="{91240B29-F687-4f45-9708-019B960494DF}">
-                <a14:hiddenLine xmlns="" xmlns:a14="http://schemas.microsoft.com/office/drawing/2010/main" w="9525">
+                <a14:hiddenLine xmlns:a14="http://schemas.microsoft.com/office/drawing/2010/main" xmlns="" w="9525">
                   <a:solidFill>
                     <a:srgbClr val="000000"/>
                   </a:solidFill>
@@ -877,7 +877,7 @@
             </a:ln>
             <a:extLst>
               <a:ext uri="{91240B29-F687-4f45-9708-019B960494DF}">
-                <a14:hiddenLine xmlns="" xmlns:a14="http://schemas.microsoft.com/office/drawing/2010/main" w="9525">
+                <a14:hiddenLine xmlns:a14="http://schemas.microsoft.com/office/drawing/2010/main" xmlns="" w="9525">
                   <a:solidFill>
                     <a:srgbClr val="000000"/>
                   </a:solidFill>
@@ -967,7 +967,7 @@
             </a:ln>
             <a:extLst>
               <a:ext uri="{91240B29-F687-4f45-9708-019B960494DF}">
-                <a14:hiddenLine xmlns="" xmlns:a14="http://schemas.microsoft.com/office/drawing/2010/main" w="9525">
+                <a14:hiddenLine xmlns:a14="http://schemas.microsoft.com/office/drawing/2010/main" xmlns="" w="9525">
                   <a:solidFill>
                     <a:srgbClr val="000000"/>
                   </a:solidFill>
@@ -1057,7 +1057,7 @@
             </a:ln>
             <a:extLst>
               <a:ext uri="{91240B29-F687-4f45-9708-019B960494DF}">
-                <a14:hiddenLine xmlns="" xmlns:a14="http://schemas.microsoft.com/office/drawing/2010/main" w="9525">
+                <a14:hiddenLine xmlns:a14="http://schemas.microsoft.com/office/drawing/2010/main" xmlns="" w="9525">
                   <a:solidFill>
                     <a:srgbClr val="000000"/>
                   </a:solidFill>
@@ -1119,7 +1119,7 @@
             </a:ln>
             <a:extLst>
               <a:ext uri="{91240B29-F687-4f45-9708-019B960494DF}">
-                <a14:hiddenLine xmlns="" xmlns:a14="http://schemas.microsoft.com/office/drawing/2010/main" w="9525">
+                <a14:hiddenLine xmlns:a14="http://schemas.microsoft.com/office/drawing/2010/main" xmlns="" w="9525">
                   <a:solidFill>
                     <a:srgbClr val="000000"/>
                   </a:solidFill>
@@ -1229,7 +1229,7 @@
             </a:ln>
             <a:extLst>
               <a:ext uri="{91240B29-F687-4f45-9708-019B960494DF}">
-                <a14:hiddenLine xmlns="" xmlns:a14="http://schemas.microsoft.com/office/drawing/2010/main" w="9525">
+                <a14:hiddenLine xmlns:a14="http://schemas.microsoft.com/office/drawing/2010/main" xmlns="" w="9525">
                   <a:solidFill>
                     <a:srgbClr val="000000"/>
                   </a:solidFill>
@@ -1291,7 +1291,7 @@
             </a:ln>
             <a:extLst>
               <a:ext uri="{91240B29-F687-4f45-9708-019B960494DF}">
-                <a14:hiddenLine xmlns="" xmlns:a14="http://schemas.microsoft.com/office/drawing/2010/main" w="9525">
+                <a14:hiddenLine xmlns:a14="http://schemas.microsoft.com/office/drawing/2010/main" xmlns="" w="9525">
                   <a:solidFill>
                     <a:srgbClr val="000000"/>
                   </a:solidFill>
@@ -1381,7 +1381,7 @@
             </a:ln>
             <a:extLst>
               <a:ext uri="{91240B29-F687-4f45-9708-019B960494DF}">
-                <a14:hiddenLine xmlns="" xmlns:a14="http://schemas.microsoft.com/office/drawing/2010/main" w="9525">
+                <a14:hiddenLine xmlns:a14="http://schemas.microsoft.com/office/drawing/2010/main" xmlns="" w="9525">
                   <a:solidFill>
                     <a:srgbClr val="000000"/>
                   </a:solidFill>
@@ -1471,7 +1471,7 @@
             </a:ln>
             <a:extLst>
               <a:ext uri="{91240B29-F687-4f45-9708-019B960494DF}">
-                <a14:hiddenLine xmlns="" xmlns:a14="http://schemas.microsoft.com/office/drawing/2010/main" w="9525">
+                <a14:hiddenLine xmlns:a14="http://schemas.microsoft.com/office/drawing/2010/main" xmlns="" w="9525">
                   <a:solidFill>
                     <a:srgbClr val="000000"/>
                   </a:solidFill>
@@ -1533,7 +1533,7 @@
             </a:ln>
             <a:extLst>
               <a:ext uri="{91240B29-F687-4f45-9708-019B960494DF}">
-                <a14:hiddenLine xmlns="" xmlns:a14="http://schemas.microsoft.com/office/drawing/2010/main" w="9525">
+                <a14:hiddenLine xmlns:a14="http://schemas.microsoft.com/office/drawing/2010/main" xmlns="" w="9525">
                   <a:solidFill>
                     <a:srgbClr val="000000"/>
                   </a:solidFill>
@@ -1623,7 +1623,7 @@
             </a:ln>
             <a:extLst>
               <a:ext uri="{91240B29-F687-4f45-9708-019B960494DF}">
-                <a14:hiddenLine xmlns="" xmlns:a14="http://schemas.microsoft.com/office/drawing/2010/main" w="9525">
+                <a14:hiddenLine xmlns:a14="http://schemas.microsoft.com/office/drawing/2010/main" xmlns="" w="9525">
                   <a:solidFill>
                     <a:srgbClr val="000000"/>
                   </a:solidFill>
@@ -1713,7 +1713,7 @@
             </a:ln>
             <a:extLst>
               <a:ext uri="{91240B29-F687-4f45-9708-019B960494DF}">
-                <a14:hiddenLine xmlns="" xmlns:a14="http://schemas.microsoft.com/office/drawing/2010/main" w="9525">
+                <a14:hiddenLine xmlns:a14="http://schemas.microsoft.com/office/drawing/2010/main" xmlns="" w="9525">
                   <a:solidFill>
                     <a:srgbClr val="000000"/>
                   </a:solidFill>
@@ -1769,7 +1769,7 @@
             </a:ln>
             <a:extLst>
               <a:ext uri="{91240B29-F687-4f45-9708-019B960494DF}">
-                <a14:hiddenLine xmlns="" xmlns:a14="http://schemas.microsoft.com/office/drawing/2010/main" w="9525">
+                <a14:hiddenLine xmlns:a14="http://schemas.microsoft.com/office/drawing/2010/main" xmlns="" w="9525">
                   <a:solidFill>
                     <a:srgbClr val="000000"/>
                   </a:solidFill>
@@ -1859,7 +1859,7 @@
             </a:ln>
             <a:extLst>
               <a:ext uri="{91240B29-F687-4f45-9708-019B960494DF}">
-                <a14:hiddenLine xmlns="" xmlns:a14="http://schemas.microsoft.com/office/drawing/2010/main" w="9525">
+                <a14:hiddenLine xmlns:a14="http://schemas.microsoft.com/office/drawing/2010/main" xmlns="" w="9525">
                   <a:solidFill>
                     <a:srgbClr val="000000"/>
                   </a:solidFill>
@@ -1915,7 +1915,7 @@
             </a:ln>
             <a:extLst>
               <a:ext uri="{91240B29-F687-4f45-9708-019B960494DF}">
-                <a14:hiddenLine xmlns="" xmlns:a14="http://schemas.microsoft.com/office/drawing/2010/main" w="9525">
+                <a14:hiddenLine xmlns:a14="http://schemas.microsoft.com/office/drawing/2010/main" xmlns="" w="9525">
                   <a:solidFill>
                     <a:srgbClr val="000000"/>
                   </a:solidFill>
@@ -2005,7 +2005,7 @@
             </a:ln>
             <a:extLst>
               <a:ext uri="{91240B29-F687-4f45-9708-019B960494DF}">
-                <a14:hiddenLine xmlns="" xmlns:a14="http://schemas.microsoft.com/office/drawing/2010/main" w="9525">
+                <a14:hiddenLine xmlns:a14="http://schemas.microsoft.com/office/drawing/2010/main" xmlns="" w="9525">
                   <a:solidFill>
                     <a:srgbClr val="000000"/>
                   </a:solidFill>
@@ -2073,7 +2073,7 @@
             </a:ln>
             <a:extLst>
               <a:ext uri="{91240B29-F687-4f45-9708-019B960494DF}">
-                <a14:hiddenLine xmlns="" xmlns:a14="http://schemas.microsoft.com/office/drawing/2010/main" w="9525">
+                <a14:hiddenLine xmlns:a14="http://schemas.microsoft.com/office/drawing/2010/main" xmlns="" w="9525">
                   <a:solidFill>
                     <a:srgbClr val="000000"/>
                   </a:solidFill>
@@ -2163,7 +2163,7 @@
             </a:ln>
             <a:extLst>
               <a:ext uri="{91240B29-F687-4f45-9708-019B960494DF}">
-                <a14:hiddenLine xmlns="" xmlns:a14="http://schemas.microsoft.com/office/drawing/2010/main" w="9525">
+                <a14:hiddenLine xmlns:a14="http://schemas.microsoft.com/office/drawing/2010/main" xmlns="" w="9525">
                   <a:solidFill>
                     <a:srgbClr val="000000"/>
                   </a:solidFill>
@@ -2231,7 +2231,7 @@
             </a:ln>
             <a:extLst>
               <a:ext uri="{91240B29-F687-4f45-9708-019B960494DF}">
-                <a14:hiddenLine xmlns="" xmlns:a14="http://schemas.microsoft.com/office/drawing/2010/main" w="9525">
+                <a14:hiddenLine xmlns:a14="http://schemas.microsoft.com/office/drawing/2010/main" xmlns="" w="9525">
                   <a:solidFill>
                     <a:srgbClr val="000000"/>
                   </a:solidFill>
@@ -2321,7 +2321,7 @@
             </a:ln>
             <a:extLst>
               <a:ext uri="{91240B29-F687-4f45-9708-019B960494DF}">
-                <a14:hiddenLine xmlns="" xmlns:a14="http://schemas.microsoft.com/office/drawing/2010/main" w="9525">
+                <a14:hiddenLine xmlns:a14="http://schemas.microsoft.com/office/drawing/2010/main" xmlns="" w="9525">
                   <a:solidFill>
                     <a:srgbClr val="000000"/>
                   </a:solidFill>
@@ -2355,7 +2355,7 @@
             </a:ln>
             <a:extLst>
               <a:ext uri="{91240B29-F687-4f45-9708-019B960494DF}">
-                <a14:hiddenLine xmlns="" xmlns:a14="http://schemas.microsoft.com/office/drawing/2010/main" w="9525">
+                <a14:hiddenLine xmlns:a14="http://schemas.microsoft.com/office/drawing/2010/main" xmlns="" w="9525">
                   <a:solidFill>
                     <a:srgbClr val="000000"/>
                   </a:solidFill>
@@ -2445,7 +2445,7 @@
             </a:ln>
             <a:extLst>
               <a:ext uri="{91240B29-F687-4f45-9708-019B960494DF}">
-                <a14:hiddenLine xmlns="" xmlns:a14="http://schemas.microsoft.com/office/drawing/2010/main" w="9525">
+                <a14:hiddenLine xmlns:a14="http://schemas.microsoft.com/office/drawing/2010/main" xmlns="" w="9525">
                   <a:solidFill>
                     <a:srgbClr val="000000"/>
                   </a:solidFill>
@@ -2507,7 +2507,7 @@
             </a:ln>
             <a:extLst>
               <a:ext uri="{91240B29-F687-4f45-9708-019B960494DF}">
-                <a14:hiddenLine xmlns="" xmlns:a14="http://schemas.microsoft.com/office/drawing/2010/main" w="9525">
+                <a14:hiddenLine xmlns:a14="http://schemas.microsoft.com/office/drawing/2010/main" xmlns="" w="9525">
                   <a:solidFill>
                     <a:srgbClr val="000000"/>
                   </a:solidFill>
@@ -2569,7 +2569,7 @@
             </a:ln>
             <a:extLst>
               <a:ext uri="{91240B29-F687-4f45-9708-019B960494DF}">
-                <a14:hiddenLine xmlns="" xmlns:a14="http://schemas.microsoft.com/office/drawing/2010/main" w="9525">
+                <a14:hiddenLine xmlns:a14="http://schemas.microsoft.com/office/drawing/2010/main" xmlns="" w="9525">
                   <a:solidFill>
                     <a:srgbClr val="000000"/>
                   </a:solidFill>
@@ -2659,7 +2659,7 @@
             </a:ln>
             <a:extLst>
               <a:ext uri="{91240B29-F687-4f45-9708-019B960494DF}">
-                <a14:hiddenLine xmlns="" xmlns:a14="http://schemas.microsoft.com/office/drawing/2010/main" w="9525">
+                <a14:hiddenLine xmlns:a14="http://schemas.microsoft.com/office/drawing/2010/main" xmlns="" w="9525">
                   <a:solidFill>
                     <a:srgbClr val="000000"/>
                   </a:solidFill>
@@ -2727,7 +2727,7 @@
             </a:ln>
             <a:extLst>
               <a:ext uri="{91240B29-F687-4f45-9708-019B960494DF}">
-                <a14:hiddenLine xmlns="" xmlns:a14="http://schemas.microsoft.com/office/drawing/2010/main" w="9525">
+                <a14:hiddenLine xmlns:a14="http://schemas.microsoft.com/office/drawing/2010/main" xmlns="" w="9525">
                   <a:solidFill>
                     <a:srgbClr val="000000"/>
                   </a:solidFill>
@@ -2789,7 +2789,7 @@
             </a:ln>
             <a:extLst>
               <a:ext uri="{91240B29-F687-4f45-9708-019B960494DF}">
-                <a14:hiddenLine xmlns="" xmlns:a14="http://schemas.microsoft.com/office/drawing/2010/main" w="9525">
+                <a14:hiddenLine xmlns:a14="http://schemas.microsoft.com/office/drawing/2010/main" xmlns="" w="9525">
                   <a:solidFill>
                     <a:srgbClr val="000000"/>
                   </a:solidFill>
@@ -2879,7 +2879,7 @@
             </a:ln>
             <a:extLst>
               <a:ext uri="{91240B29-F687-4f45-9708-019B960494DF}">
-                <a14:hiddenLine xmlns="" xmlns:a14="http://schemas.microsoft.com/office/drawing/2010/main" w="9525">
+                <a14:hiddenLine xmlns:a14="http://schemas.microsoft.com/office/drawing/2010/main" xmlns="" w="9525">
                   <a:solidFill>
                     <a:srgbClr val="000000"/>
                   </a:solidFill>
@@ -2941,7 +2941,7 @@
             </a:ln>
             <a:extLst>
               <a:ext uri="{91240B29-F687-4f45-9708-019B960494DF}">
-                <a14:hiddenLine xmlns="" xmlns:a14="http://schemas.microsoft.com/office/drawing/2010/main" w="9525">
+                <a14:hiddenLine xmlns:a14="http://schemas.microsoft.com/office/drawing/2010/main" xmlns="" w="9525">
                   <a:solidFill>
                     <a:srgbClr val="000000"/>
                   </a:solidFill>
@@ -3031,7 +3031,7 @@
             </a:ln>
             <a:extLst>
               <a:ext uri="{91240B29-F687-4f45-9708-019B960494DF}">
-                <a14:hiddenLine xmlns="" xmlns:a14="http://schemas.microsoft.com/office/drawing/2010/main" w="9525">
+                <a14:hiddenLine xmlns:a14="http://schemas.microsoft.com/office/drawing/2010/main" xmlns="" w="9525">
                   <a:solidFill>
                     <a:srgbClr val="000000"/>
                   </a:solidFill>
@@ -3093,7 +3093,7 @@
             </a:ln>
             <a:extLst>
               <a:ext uri="{91240B29-F687-4f45-9708-019B960494DF}">
-                <a14:hiddenLine xmlns="" xmlns:a14="http://schemas.microsoft.com/office/drawing/2010/main" w="9525">
+                <a14:hiddenLine xmlns:a14="http://schemas.microsoft.com/office/drawing/2010/main" xmlns="" w="9525">
                   <a:solidFill>
                     <a:srgbClr val="000000"/>
                   </a:solidFill>
@@ -3183,7 +3183,7 @@
             </a:ln>
             <a:extLst>
               <a:ext uri="{91240B29-F687-4f45-9708-019B960494DF}">
-                <a14:hiddenLine xmlns="" xmlns:a14="http://schemas.microsoft.com/office/drawing/2010/main" w="9525">
+                <a14:hiddenLine xmlns:a14="http://schemas.microsoft.com/office/drawing/2010/main" xmlns="" w="9525">
                   <a:solidFill>
                     <a:srgbClr val="000000"/>
                   </a:solidFill>
@@ -3217,7 +3217,7 @@
             </a:ln>
             <a:extLst>
               <a:ext uri="{91240B29-F687-4f45-9708-019B960494DF}">
-                <a14:hiddenLine xmlns="" xmlns:a14="http://schemas.microsoft.com/office/drawing/2010/main" w="9525">
+                <a14:hiddenLine xmlns:a14="http://schemas.microsoft.com/office/drawing/2010/main" xmlns="" w="9525">
                   <a:solidFill>
                     <a:srgbClr val="000000"/>
                   </a:solidFill>
@@ -3282,7 +3282,7 @@
             </a:ln>
             <a:extLst>
               <a:ext uri="{91240B29-F687-4f45-9708-019B960494DF}">
-                <a14:hiddenLine xmlns="" xmlns:a14="http://schemas.microsoft.com/office/drawing/2010/main" w="9525">
+                <a14:hiddenLine xmlns:a14="http://schemas.microsoft.com/office/drawing/2010/main" xmlns="" w="9525">
                   <a:solidFill>
                     <a:srgbClr val="000000"/>
                   </a:solidFill>
@@ -3372,7 +3372,7 @@
             </a:ln>
             <a:extLst>
               <a:ext uri="{91240B29-F687-4f45-9708-019B960494DF}">
-                <a14:hiddenLine xmlns="" xmlns:a14="http://schemas.microsoft.com/office/drawing/2010/main" w="9525">
+                <a14:hiddenLine xmlns:a14="http://schemas.microsoft.com/office/drawing/2010/main" xmlns="" w="9525">
                   <a:solidFill>
                     <a:srgbClr val="000000"/>
                   </a:solidFill>
@@ -3434,7 +3434,7 @@
             </a:ln>
             <a:extLst>
               <a:ext uri="{91240B29-F687-4f45-9708-019B960494DF}">
-                <a14:hiddenLine xmlns="" xmlns:a14="http://schemas.microsoft.com/office/drawing/2010/main" w="9525">
+                <a14:hiddenLine xmlns:a14="http://schemas.microsoft.com/office/drawing/2010/main" xmlns="" w="9525">
                   <a:solidFill>
                     <a:srgbClr val="000000"/>
                   </a:solidFill>
@@ -3524,7 +3524,7 @@
             </a:ln>
             <a:extLst>
               <a:ext uri="{91240B29-F687-4f45-9708-019B960494DF}">
-                <a14:hiddenLine xmlns="" xmlns:a14="http://schemas.microsoft.com/office/drawing/2010/main" w="9525">
+                <a14:hiddenLine xmlns:a14="http://schemas.microsoft.com/office/drawing/2010/main" xmlns="" w="9525">
                   <a:solidFill>
                     <a:srgbClr val="000000"/>
                   </a:solidFill>
@@ -3614,7 +3614,7 @@
             </a:ln>
             <a:extLst>
               <a:ext uri="{91240B29-F687-4f45-9708-019B960494DF}">
-                <a14:hiddenLine xmlns="" xmlns:a14="http://schemas.microsoft.com/office/drawing/2010/main" w="9525">
+                <a14:hiddenLine xmlns:a14="http://schemas.microsoft.com/office/drawing/2010/main" xmlns="" w="9525">
                   <a:solidFill>
                     <a:srgbClr val="000000"/>
                   </a:solidFill>
@@ -3679,7 +3679,7 @@
             </a:ln>
             <a:extLst>
               <a:ext uri="{91240B29-F687-4f45-9708-019B960494DF}">
-                <a14:hiddenLine xmlns="" xmlns:a14="http://schemas.microsoft.com/office/drawing/2010/main" w="9525">
+                <a14:hiddenLine xmlns:a14="http://schemas.microsoft.com/office/drawing/2010/main" xmlns="" w="9525">
                   <a:solidFill>
                     <a:srgbClr val="000000"/>
                   </a:solidFill>
@@ -3741,7 +3741,7 @@
             </a:ln>
             <a:extLst>
               <a:ext uri="{91240B29-F687-4f45-9708-019B960494DF}">
-                <a14:hiddenLine xmlns="" xmlns:a14="http://schemas.microsoft.com/office/drawing/2010/main" w="9525">
+                <a14:hiddenLine xmlns:a14="http://schemas.microsoft.com/office/drawing/2010/main" xmlns="" w="9525">
                   <a:solidFill>
                     <a:srgbClr val="000000"/>
                   </a:solidFill>
@@ -3831,7 +3831,7 @@
             </a:ln>
             <a:extLst>
               <a:ext uri="{91240B29-F687-4f45-9708-019B960494DF}">
-                <a14:hiddenLine xmlns="" xmlns:a14="http://schemas.microsoft.com/office/drawing/2010/main" w="9525">
+                <a14:hiddenLine xmlns:a14="http://schemas.microsoft.com/office/drawing/2010/main" xmlns="" w="9525">
                   <a:solidFill>
                     <a:srgbClr val="000000"/>
                   </a:solidFill>
@@ -3921,7 +3921,7 @@
             </a:ln>
             <a:extLst>
               <a:ext uri="{91240B29-F687-4f45-9708-019B960494DF}">
-                <a14:hiddenLine xmlns="" xmlns:a14="http://schemas.microsoft.com/office/drawing/2010/main" w="9525">
+                <a14:hiddenLine xmlns:a14="http://schemas.microsoft.com/office/drawing/2010/main" xmlns="" w="9525">
                   <a:solidFill>
                     <a:srgbClr val="000000"/>
                   </a:solidFill>
@@ -3983,7 +3983,7 @@
             </a:ln>
             <a:extLst>
               <a:ext uri="{91240B29-F687-4f45-9708-019B960494DF}">
-                <a14:hiddenLine xmlns="" xmlns:a14="http://schemas.microsoft.com/office/drawing/2010/main" w="9525">
+                <a14:hiddenLine xmlns:a14="http://schemas.microsoft.com/office/drawing/2010/main" xmlns="" w="9525">
                   <a:solidFill>
                     <a:srgbClr val="000000"/>
                   </a:solidFill>
@@ -4103,7 +4103,7 @@
             </a:ln>
             <a:extLst>
               <a:ext uri="{91240B29-F687-4f45-9708-019B960494DF}">
-                <a14:hiddenLine xmlns="" xmlns:a14="http://schemas.microsoft.com/office/drawing/2010/main" w="9525">
+                <a14:hiddenLine xmlns:a14="http://schemas.microsoft.com/office/drawing/2010/main" xmlns="" w="9525">
                   <a:solidFill>
                     <a:srgbClr val="000000"/>
                   </a:solidFill>
@@ -4171,7 +4171,7 @@
             </a:ln>
             <a:extLst>
               <a:ext uri="{91240B29-F687-4f45-9708-019B960494DF}">
-                <a14:hiddenLine xmlns="" xmlns:a14="http://schemas.microsoft.com/office/drawing/2010/main" w="9525">
+                <a14:hiddenLine xmlns:a14="http://schemas.microsoft.com/office/drawing/2010/main" xmlns="" w="9525">
                   <a:solidFill>
                     <a:srgbClr val="000000"/>
                   </a:solidFill>
@@ -4261,7 +4261,7 @@
             </a:ln>
             <a:extLst>
               <a:ext uri="{91240B29-F687-4f45-9708-019B960494DF}">
-                <a14:hiddenLine xmlns="" xmlns:a14="http://schemas.microsoft.com/office/drawing/2010/main" w="9525">
+                <a14:hiddenLine xmlns:a14="http://schemas.microsoft.com/office/drawing/2010/main" xmlns="" w="9525">
                   <a:solidFill>
                     <a:srgbClr val="000000"/>
                   </a:solidFill>
@@ -9070,7 +9070,7 @@
           <a:noFill/>
           <a:extLst>
             <a:ext uri="{909E8E84-426E-40dd-AFC4-6F175D3DCCD1}">
-              <a14:hiddenFill xmlns="" xmlns:a14="http://schemas.microsoft.com/office/drawing/2010/main">
+              <a14:hiddenFill xmlns:a14="http://schemas.microsoft.com/office/drawing/2010/main" xmlns="">
                 <a:solidFill>
                   <a:srgbClr val="FFFFFF"/>
                 </a:solidFill>
@@ -9144,7 +9144,7 @@
               </a:ln>
               <a:extLst>
                 <a:ext uri="{91240B29-F687-4f45-9708-019B960494DF}">
-                  <a14:hiddenLine xmlns="" xmlns:a14="http://schemas.microsoft.com/office/drawing/2010/main" w="9525">
+                  <a14:hiddenLine xmlns:a14="http://schemas.microsoft.com/office/drawing/2010/main" xmlns="" w="9525">
                     <a:solidFill>
                       <a:srgbClr val="000000"/>
                     </a:solidFill>
@@ -9234,7 +9234,7 @@
               </a:ln>
               <a:extLst>
                 <a:ext uri="{91240B29-F687-4f45-9708-019B960494DF}">
-                  <a14:hiddenLine xmlns="" xmlns:a14="http://schemas.microsoft.com/office/drawing/2010/main" w="9525">
+                  <a14:hiddenLine xmlns:a14="http://schemas.microsoft.com/office/drawing/2010/main" xmlns="" w="9525">
                     <a:solidFill>
                       <a:srgbClr val="000000"/>
                     </a:solidFill>
@@ -9324,7 +9324,7 @@
               </a:ln>
               <a:extLst>
                 <a:ext uri="{91240B29-F687-4f45-9708-019B960494DF}">
-                  <a14:hiddenLine xmlns="" xmlns:a14="http://schemas.microsoft.com/office/drawing/2010/main" w="9525">
+                  <a14:hiddenLine xmlns:a14="http://schemas.microsoft.com/office/drawing/2010/main" xmlns="" w="9525">
                     <a:solidFill>
                       <a:srgbClr val="000000"/>
                     </a:solidFill>
@@ -9386,7 +9386,7 @@
               </a:ln>
               <a:extLst>
                 <a:ext uri="{91240B29-F687-4f45-9708-019B960494DF}">
-                  <a14:hiddenLine xmlns="" xmlns:a14="http://schemas.microsoft.com/office/drawing/2010/main" w="9525">
+                  <a14:hiddenLine xmlns:a14="http://schemas.microsoft.com/office/drawing/2010/main" xmlns="" w="9525">
                     <a:solidFill>
                       <a:srgbClr val="000000"/>
                     </a:solidFill>
@@ -9476,7 +9476,7 @@
               </a:ln>
               <a:extLst>
                 <a:ext uri="{91240B29-F687-4f45-9708-019B960494DF}">
-                  <a14:hiddenLine xmlns="" xmlns:a14="http://schemas.microsoft.com/office/drawing/2010/main" w="9525">
+                  <a14:hiddenLine xmlns:a14="http://schemas.microsoft.com/office/drawing/2010/main" xmlns="" w="9525">
                     <a:solidFill>
                       <a:srgbClr val="000000"/>
                     </a:solidFill>
@@ -9538,7 +9538,7 @@
               </a:ln>
               <a:extLst>
                 <a:ext uri="{91240B29-F687-4f45-9708-019B960494DF}">
-                  <a14:hiddenLine xmlns="" xmlns:a14="http://schemas.microsoft.com/office/drawing/2010/main" w="9525">
+                  <a14:hiddenLine xmlns:a14="http://schemas.microsoft.com/office/drawing/2010/main" xmlns="" w="9525">
                     <a:solidFill>
                       <a:srgbClr val="000000"/>
                     </a:solidFill>
@@ -9600,7 +9600,7 @@
               </a:ln>
               <a:extLst>
                 <a:ext uri="{91240B29-F687-4f45-9708-019B960494DF}">
-                  <a14:hiddenLine xmlns="" xmlns:a14="http://schemas.microsoft.com/office/drawing/2010/main" w="9525">
+                  <a14:hiddenLine xmlns:a14="http://schemas.microsoft.com/office/drawing/2010/main" xmlns="" w="9525">
                     <a:solidFill>
                       <a:srgbClr val="000000"/>
                     </a:solidFill>
@@ -9690,7 +9690,7 @@
               </a:ln>
               <a:extLst>
                 <a:ext uri="{91240B29-F687-4f45-9708-019B960494DF}">
-                  <a14:hiddenLine xmlns="" xmlns:a14="http://schemas.microsoft.com/office/drawing/2010/main" w="9525">
+                  <a14:hiddenLine xmlns:a14="http://schemas.microsoft.com/office/drawing/2010/main" xmlns="" w="9525">
                     <a:solidFill>
                       <a:srgbClr val="000000"/>
                     </a:solidFill>
@@ -9780,7 +9780,7 @@
               </a:ln>
               <a:extLst>
                 <a:ext uri="{91240B29-F687-4f45-9708-019B960494DF}">
-                  <a14:hiddenLine xmlns="" xmlns:a14="http://schemas.microsoft.com/office/drawing/2010/main" w="9525">
+                  <a14:hiddenLine xmlns:a14="http://schemas.microsoft.com/office/drawing/2010/main" xmlns="" w="9525">
                     <a:solidFill>
                       <a:srgbClr val="000000"/>
                     </a:solidFill>
@@ -9842,7 +9842,7 @@
               </a:ln>
               <a:extLst>
                 <a:ext uri="{91240B29-F687-4f45-9708-019B960494DF}">
-                  <a14:hiddenLine xmlns="" xmlns:a14="http://schemas.microsoft.com/office/drawing/2010/main" w="9525">
+                  <a14:hiddenLine xmlns:a14="http://schemas.microsoft.com/office/drawing/2010/main" xmlns="" w="9525">
                     <a:solidFill>
                       <a:srgbClr val="000000"/>
                     </a:solidFill>
@@ -9952,7 +9952,7 @@
               </a:ln>
               <a:extLst>
                 <a:ext uri="{91240B29-F687-4f45-9708-019B960494DF}">
-                  <a14:hiddenLine xmlns="" xmlns:a14="http://schemas.microsoft.com/office/drawing/2010/main" w="9525">
+                  <a14:hiddenLine xmlns:a14="http://schemas.microsoft.com/office/drawing/2010/main" xmlns="" w="9525">
                     <a:solidFill>
                       <a:srgbClr val="000000"/>
                     </a:solidFill>
@@ -10036,7 +10036,7 @@
               </a:ln>
               <a:extLst>
                 <a:ext uri="{91240B29-F687-4f45-9708-019B960494DF}">
-                  <a14:hiddenLine xmlns="" xmlns:a14="http://schemas.microsoft.com/office/drawing/2010/main" w="9525">
+                  <a14:hiddenLine xmlns:a14="http://schemas.microsoft.com/office/drawing/2010/main" xmlns="" w="9525">
                     <a:solidFill>
                       <a:srgbClr val="000000"/>
                     </a:solidFill>
@@ -10098,7 +10098,7 @@
               </a:ln>
               <a:extLst>
                 <a:ext uri="{91240B29-F687-4f45-9708-019B960494DF}">
-                  <a14:hiddenLine xmlns="" xmlns:a14="http://schemas.microsoft.com/office/drawing/2010/main" w="9525">
+                  <a14:hiddenLine xmlns:a14="http://schemas.microsoft.com/office/drawing/2010/main" xmlns="" w="9525">
                     <a:solidFill>
                       <a:srgbClr val="000000"/>
                     </a:solidFill>
@@ -10160,7 +10160,7 @@
               </a:ln>
               <a:extLst>
                 <a:ext uri="{91240B29-F687-4f45-9708-019B960494DF}">
-                  <a14:hiddenLine xmlns="" xmlns:a14="http://schemas.microsoft.com/office/drawing/2010/main" w="9525">
+                  <a14:hiddenLine xmlns:a14="http://schemas.microsoft.com/office/drawing/2010/main" xmlns="" w="9525">
                     <a:solidFill>
                       <a:srgbClr val="000000"/>
                     </a:solidFill>
@@ -10250,7 +10250,7 @@
               </a:ln>
               <a:extLst>
                 <a:ext uri="{91240B29-F687-4f45-9708-019B960494DF}">
-                  <a14:hiddenLine xmlns="" xmlns:a14="http://schemas.microsoft.com/office/drawing/2010/main" w="9525">
+                  <a14:hiddenLine xmlns:a14="http://schemas.microsoft.com/office/drawing/2010/main" xmlns="" w="9525">
                     <a:solidFill>
                       <a:srgbClr val="000000"/>
                     </a:solidFill>
@@ -10284,7 +10284,7 @@
               </a:ln>
               <a:extLst>
                 <a:ext uri="{91240B29-F687-4f45-9708-019B960494DF}">
-                  <a14:hiddenLine xmlns="" xmlns:a14="http://schemas.microsoft.com/office/drawing/2010/main" w="9525">
+                  <a14:hiddenLine xmlns:a14="http://schemas.microsoft.com/office/drawing/2010/main" xmlns="" w="9525">
                     <a:solidFill>
                       <a:srgbClr val="000000"/>
                     </a:solidFill>
@@ -10349,7 +10349,7 @@
               </a:ln>
               <a:extLst>
                 <a:ext uri="{91240B29-F687-4f45-9708-019B960494DF}">
-                  <a14:hiddenLine xmlns="" xmlns:a14="http://schemas.microsoft.com/office/drawing/2010/main" w="9525">
+                  <a14:hiddenLine xmlns:a14="http://schemas.microsoft.com/office/drawing/2010/main" xmlns="" w="9525">
                     <a:solidFill>
                       <a:srgbClr val="000000"/>
                     </a:solidFill>
@@ -10439,7 +10439,7 @@
               </a:ln>
               <a:extLst>
                 <a:ext uri="{91240B29-F687-4f45-9708-019B960494DF}">
-                  <a14:hiddenLine xmlns="" xmlns:a14="http://schemas.microsoft.com/office/drawing/2010/main" w="9525">
+                  <a14:hiddenLine xmlns:a14="http://schemas.microsoft.com/office/drawing/2010/main" xmlns="" w="9525">
                     <a:solidFill>
                       <a:srgbClr val="000000"/>
                     </a:solidFill>
@@ -10501,7 +10501,7 @@
               </a:ln>
               <a:extLst>
                 <a:ext uri="{91240B29-F687-4f45-9708-019B960494DF}">
-                  <a14:hiddenLine xmlns="" xmlns:a14="http://schemas.microsoft.com/office/drawing/2010/main" w="9525">
+                  <a14:hiddenLine xmlns:a14="http://schemas.microsoft.com/office/drawing/2010/main" xmlns="" w="9525">
                     <a:solidFill>
                       <a:srgbClr val="000000"/>
                     </a:solidFill>
@@ -10591,7 +10591,7 @@
               </a:ln>
               <a:extLst>
                 <a:ext uri="{91240B29-F687-4f45-9708-019B960494DF}">
-                  <a14:hiddenLine xmlns="" xmlns:a14="http://schemas.microsoft.com/office/drawing/2010/main" w="9525">
+                  <a14:hiddenLine xmlns:a14="http://schemas.microsoft.com/office/drawing/2010/main" xmlns="" w="9525">
                     <a:solidFill>
                       <a:srgbClr val="000000"/>
                     </a:solidFill>
@@ -10656,7 +10656,7 @@
               </a:ln>
               <a:extLst>
                 <a:ext uri="{91240B29-F687-4f45-9708-019B960494DF}">
-                  <a14:hiddenLine xmlns="" xmlns:a14="http://schemas.microsoft.com/office/drawing/2010/main" w="9525">
+                  <a14:hiddenLine xmlns:a14="http://schemas.microsoft.com/office/drawing/2010/main" xmlns="" w="9525">
                     <a:solidFill>
                       <a:srgbClr val="000000"/>
                     </a:solidFill>
@@ -10718,7 +10718,7 @@
               </a:ln>
               <a:extLst>
                 <a:ext uri="{91240B29-F687-4f45-9708-019B960494DF}">
-                  <a14:hiddenLine xmlns="" xmlns:a14="http://schemas.microsoft.com/office/drawing/2010/main" w="9525">
+                  <a14:hiddenLine xmlns:a14="http://schemas.microsoft.com/office/drawing/2010/main" xmlns="" w="9525">
                     <a:solidFill>
                       <a:srgbClr val="000000"/>
                     </a:solidFill>
@@ -10808,7 +10808,7 @@
               </a:ln>
               <a:extLst>
                 <a:ext uri="{91240B29-F687-4f45-9708-019B960494DF}">
-                  <a14:hiddenLine xmlns="" xmlns:a14="http://schemas.microsoft.com/office/drawing/2010/main" w="9525">
+                  <a14:hiddenLine xmlns:a14="http://schemas.microsoft.com/office/drawing/2010/main" xmlns="" w="9525">
                     <a:solidFill>
                       <a:srgbClr val="000000"/>
                     </a:solidFill>
@@ -10898,7 +10898,7 @@
               </a:ln>
               <a:extLst>
                 <a:ext uri="{91240B29-F687-4f45-9708-019B960494DF}">
-                  <a14:hiddenLine xmlns="" xmlns:a14="http://schemas.microsoft.com/office/drawing/2010/main" w="9525">
+                  <a14:hiddenLine xmlns:a14="http://schemas.microsoft.com/office/drawing/2010/main" xmlns="" w="9525">
                     <a:solidFill>
                       <a:srgbClr val="000000"/>
                     </a:solidFill>
@@ -10963,7 +10963,7 @@
               </a:ln>
               <a:extLst>
                 <a:ext uri="{91240B29-F687-4f45-9708-019B960494DF}">
-                  <a14:hiddenLine xmlns="" xmlns:a14="http://schemas.microsoft.com/office/drawing/2010/main" w="9525">
+                  <a14:hiddenLine xmlns:a14="http://schemas.microsoft.com/office/drawing/2010/main" xmlns="" w="9525">
                     <a:solidFill>
                       <a:srgbClr val="000000"/>
                     </a:solidFill>
@@ -11083,7 +11083,7 @@
               </a:ln>
               <a:extLst>
                 <a:ext uri="{91240B29-F687-4f45-9708-019B960494DF}">
-                  <a14:hiddenLine xmlns="" xmlns:a14="http://schemas.microsoft.com/office/drawing/2010/main" w="9525">
+                  <a14:hiddenLine xmlns:a14="http://schemas.microsoft.com/office/drawing/2010/main" xmlns="" w="9525">
                     <a:solidFill>
                       <a:srgbClr val="000000"/>
                     </a:solidFill>
@@ -11164,7 +11164,7 @@
               </a:ln>
               <a:extLst>
                 <a:ext uri="{91240B29-F687-4f45-9708-019B960494DF}">
-                  <a14:hiddenLine xmlns="" xmlns:a14="http://schemas.microsoft.com/office/drawing/2010/main" w="9525">
+                  <a14:hiddenLine xmlns:a14="http://schemas.microsoft.com/office/drawing/2010/main" xmlns="" w="9525">
                     <a:solidFill>
                       <a:srgbClr val="000000"/>
                     </a:solidFill>
@@ -11279,7 +11279,7 @@
               </a:ln>
               <a:extLst>
                 <a:ext uri="{91240B29-F687-4f45-9708-019B960494DF}">
-                  <a14:hiddenLine xmlns="" xmlns:a14="http://schemas.microsoft.com/office/drawing/2010/main" w="9525">
+                  <a14:hiddenLine xmlns:a14="http://schemas.microsoft.com/office/drawing/2010/main" xmlns="" w="9525">
                     <a:solidFill>
                       <a:srgbClr val="000000"/>
                     </a:solidFill>
@@ -11369,7 +11369,7 @@
               </a:ln>
               <a:extLst>
                 <a:ext uri="{91240B29-F687-4f45-9708-019B960494DF}">
-                  <a14:hiddenLine xmlns="" xmlns:a14="http://schemas.microsoft.com/office/drawing/2010/main" w="9525">
+                  <a14:hiddenLine xmlns:a14="http://schemas.microsoft.com/office/drawing/2010/main" xmlns="" w="9525">
                     <a:solidFill>
                       <a:srgbClr val="000000"/>
                     </a:solidFill>
@@ -11434,7 +11434,7 @@
               </a:ln>
               <a:extLst>
                 <a:ext uri="{91240B29-F687-4f45-9708-019B960494DF}">
-                  <a14:hiddenLine xmlns="" xmlns:a14="http://schemas.microsoft.com/office/drawing/2010/main" w="9525">
+                  <a14:hiddenLine xmlns:a14="http://schemas.microsoft.com/office/drawing/2010/main" xmlns="" w="9525">
                     <a:solidFill>
                       <a:srgbClr val="000000"/>
                     </a:solidFill>
@@ -11524,7 +11524,7 @@
               </a:ln>
               <a:extLst>
                 <a:ext uri="{91240B29-F687-4f45-9708-019B960494DF}">
-                  <a14:hiddenLine xmlns="" xmlns:a14="http://schemas.microsoft.com/office/drawing/2010/main" w="9525">
+                  <a14:hiddenLine xmlns:a14="http://schemas.microsoft.com/office/drawing/2010/main" xmlns="" w="9525">
                     <a:solidFill>
                       <a:srgbClr val="000000"/>
                     </a:solidFill>
@@ -11592,7 +11592,7 @@
               </a:ln>
               <a:extLst>
                 <a:ext uri="{91240B29-F687-4f45-9708-019B960494DF}">
-                  <a14:hiddenLine xmlns="" xmlns:a14="http://schemas.microsoft.com/office/drawing/2010/main" w="9525">
+                  <a14:hiddenLine xmlns:a14="http://schemas.microsoft.com/office/drawing/2010/main" xmlns="" w="9525">
                     <a:solidFill>
                       <a:srgbClr val="000000"/>
                     </a:solidFill>
@@ -11682,7 +11682,7 @@
               </a:ln>
               <a:extLst>
                 <a:ext uri="{91240B29-F687-4f45-9708-019B960494DF}">
-                  <a14:hiddenLine xmlns="" xmlns:a14="http://schemas.microsoft.com/office/drawing/2010/main" w="9525">
+                  <a14:hiddenLine xmlns:a14="http://schemas.microsoft.com/office/drawing/2010/main" xmlns="" w="9525">
                     <a:solidFill>
                       <a:srgbClr val="000000"/>
                     </a:solidFill>
@@ -11750,7 +11750,7 @@
               </a:ln>
               <a:extLst>
                 <a:ext uri="{91240B29-F687-4f45-9708-019B960494DF}">
-                  <a14:hiddenLine xmlns="" xmlns:a14="http://schemas.microsoft.com/office/drawing/2010/main" w="9525">
+                  <a14:hiddenLine xmlns:a14="http://schemas.microsoft.com/office/drawing/2010/main" xmlns="" w="9525">
                     <a:solidFill>
                       <a:srgbClr val="000000"/>
                     </a:solidFill>
@@ -11840,7 +11840,7 @@
               </a:ln>
               <a:extLst>
                 <a:ext uri="{91240B29-F687-4f45-9708-019B960494DF}">
-                  <a14:hiddenLine xmlns="" xmlns:a14="http://schemas.microsoft.com/office/drawing/2010/main" w="9525">
+                  <a14:hiddenLine xmlns:a14="http://schemas.microsoft.com/office/drawing/2010/main" xmlns="" w="9525">
                     <a:solidFill>
                       <a:srgbClr val="000000"/>
                     </a:solidFill>
@@ -11874,7 +11874,7 @@
               </a:ln>
               <a:extLst>
                 <a:ext uri="{91240B29-F687-4f45-9708-019B960494DF}">
-                  <a14:hiddenLine xmlns="" xmlns:a14="http://schemas.microsoft.com/office/drawing/2010/main" w="9525">
+                  <a14:hiddenLine xmlns:a14="http://schemas.microsoft.com/office/drawing/2010/main" xmlns="" w="9525">
                     <a:solidFill>
                       <a:srgbClr val="000000"/>
                     </a:solidFill>
@@ -12565,10 +12565,10 @@
   </p:clrMapOvr>
   <mc:AlternateContent xmlns:mc="http://schemas.openxmlformats.org/markup-compatibility/2006">
     <mc:Choice xmlns:p14="http://schemas.microsoft.com/office/powerpoint/2010/main" Requires="p14">
-      <p:transition spd="slow" p14:dur="2000" advTm="20958"/>
+      <p:transition spd="slow" p14:dur="2000" advTm="23798"/>
     </mc:Choice>
     <mc:Fallback>
-      <p:transition spd="slow" advTm="20958"/>
+      <p:transition spd="slow" advTm="23798"/>
     </mc:Fallback>
   </mc:AlternateContent>
 </p:sld>
@@ -12739,10 +12739,10 @@
   </p:clrMapOvr>
   <mc:AlternateContent xmlns:mc="http://schemas.openxmlformats.org/markup-compatibility/2006">
     <mc:Choice xmlns:p14="http://schemas.microsoft.com/office/powerpoint/2010/main" Requires="p14">
-      <p:transition spd="slow" p14:dur="2000" advTm="63777"/>
+      <p:transition spd="slow" p14:dur="2000" advTm="64179"/>
     </mc:Choice>
     <mc:Fallback>
-      <p:transition spd="slow" advTm="63777"/>
+      <p:transition spd="slow" advTm="64179"/>
     </mc:Fallback>
   </mc:AlternateContent>
 </p:sld>
@@ -12939,10 +12939,10 @@
   </p:clrMapOvr>
   <mc:AlternateContent xmlns:mc="http://schemas.openxmlformats.org/markup-compatibility/2006">
     <mc:Choice xmlns:p14="http://schemas.microsoft.com/office/powerpoint/2010/main" Requires="p14">
-      <p:transition spd="slow" p14:dur="2000" advTm="10359"/>
+      <p:transition spd="slow" p14:dur="2000" advTm="6205"/>
     </mc:Choice>
     <mc:Fallback>
-      <p:transition spd="slow" advTm="10359"/>
+      <p:transition spd="slow" advTm="6205"/>
     </mc:Fallback>
   </mc:AlternateContent>
 </p:sld>
@@ -13183,10 +13183,10 @@
   </p:clrMapOvr>
   <mc:AlternateContent xmlns:mc="http://schemas.openxmlformats.org/markup-compatibility/2006">
     <mc:Choice xmlns:p14="http://schemas.microsoft.com/office/powerpoint/2010/main" Requires="p14">
-      <p:transition spd="slow" p14:dur="2000" advTm="74230"/>
+      <p:transition spd="slow" p14:dur="2000" advTm="86211"/>
     </mc:Choice>
     <mc:Fallback>
-      <p:transition spd="slow" advTm="74230"/>
+      <p:transition spd="slow" advTm="86211"/>
     </mc:Fallback>
   </mc:AlternateContent>
 </p:sld>
@@ -13284,10 +13284,10 @@
   </p:clrMapOvr>
   <mc:AlternateContent xmlns:mc="http://schemas.openxmlformats.org/markup-compatibility/2006">
     <mc:Choice xmlns:p14="http://schemas.microsoft.com/office/powerpoint/2010/main" Requires="p14">
-      <p:transition spd="slow" p14:dur="2000" advTm="27967"/>
+      <p:transition spd="slow" p14:dur="2000" advTm="31281"/>
     </mc:Choice>
     <mc:Fallback>
-      <p:transition spd="slow" advTm="27967"/>
+      <p:transition spd="slow" advTm="31281"/>
     </mc:Fallback>
   </mc:AlternateContent>
 </p:sld>
@@ -13384,10 +13384,10 @@
   </p:clrMapOvr>
   <mc:AlternateContent xmlns:mc="http://schemas.openxmlformats.org/markup-compatibility/2006">
     <mc:Choice xmlns:p14="http://schemas.microsoft.com/office/powerpoint/2010/main" Requires="p14">
-      <p:transition spd="slow" p14:dur="2000" advTm="12651"/>
+      <p:transition spd="slow" p14:dur="2000" advTm="13541"/>
     </mc:Choice>
     <mc:Fallback>
-      <p:transition spd="slow" advTm="12651"/>
+      <p:transition spd="slow" advTm="13541"/>
     </mc:Fallback>
   </mc:AlternateContent>
 </p:sld>
@@ -13550,10 +13550,10 @@
   </p:clrMapOvr>
   <mc:AlternateContent xmlns:mc="http://schemas.openxmlformats.org/markup-compatibility/2006">
     <mc:Choice xmlns:p14="http://schemas.microsoft.com/office/powerpoint/2010/main" Requires="p14">
-      <p:transition spd="slow" p14:dur="2000" advTm="19507"/>
+      <p:transition spd="slow" p14:dur="2000" advTm="21424"/>
     </mc:Choice>
     <mc:Fallback>
-      <p:transition spd="slow" advTm="19507"/>
+      <p:transition spd="slow" advTm="21424"/>
     </mc:Fallback>
   </mc:AlternateContent>
 </p:sld>
@@ -13651,10 +13651,10 @@
   </p:clrMapOvr>
   <mc:AlternateContent xmlns:mc="http://schemas.openxmlformats.org/markup-compatibility/2006">
     <mc:Choice xmlns:p14="http://schemas.microsoft.com/office/powerpoint/2010/main" Requires="p14">
-      <p:transition spd="slow" p14:dur="2000" advTm="3430"/>
+      <p:transition spd="slow" p14:dur="2000" advTm="14162"/>
     </mc:Choice>
     <mc:Fallback>
-      <p:transition spd="slow" advTm="3430"/>
+      <p:transition spd="slow" advTm="14162"/>
     </mc:Fallback>
   </mc:AlternateContent>
 </p:sld>
